--- a/doc/MAH_Workflow.pptx
+++ b/doc/MAH_Workflow.pptx
@@ -8,8 +8,11 @@
     <p:sldId id="256" r:id="rId2"/>
     <p:sldId id="260" r:id="rId3"/>
     <p:sldId id="257" r:id="rId4"/>
-    <p:sldId id="258" r:id="rId5"/>
-    <p:sldId id="259" r:id="rId6"/>
+    <p:sldId id="263" r:id="rId5"/>
+    <p:sldId id="258" r:id="rId6"/>
+    <p:sldId id="261" r:id="rId7"/>
+    <p:sldId id="259" r:id="rId8"/>
+    <p:sldId id="262" r:id="rId9"/>
   </p:sldIdLst>
   <p:sldSz cx="12192000" cy="6858000"/>
   <p:notesSz cx="6858000" cy="9144000"/>
@@ -120,15 +123,21 @@
         <p14:section name="1. manual phase picking" id="{95D8DA4E-6BE8-4A98-AE67-A83E55C6D4B7}">
           <p14:sldIdLst>
             <p14:sldId id="257"/>
+            <p14:sldId id="263"/>
           </p14:sldIdLst>
         </p14:section>
         <p14:section name="2. source spectrum" id="{A72AFBA3-6063-4216-BFC2-600937538145}">
           <p14:sldIdLst>
             <p14:sldId id="258"/>
+            <p14:sldId id="261"/>
             <p14:sldId id="259"/>
+            <p14:sldId id="262"/>
           </p14:sldIdLst>
         </p14:section>
       </p14:sectionLst>
+    </p:ext>
+    <p:ext uri="{EFAFB233-063F-42B5-8137-9DF3F51BA10A}">
+      <p15:sldGuideLst xmlns:p15="http://schemas.microsoft.com/office/powerpoint/2012/main"/>
     </p:ext>
   </p:extLst>
 </p:presentation>
@@ -3603,18 +3612,14 @@
           <a:p>
             <a:r>
               <a:rPr lang="en-US" altLang="zh-CN" dirty="0"/>
-              <a:t>Inputs</a:t>
+              <a:t>Input</a:t>
             </a:r>
           </a:p>
           <a:p>
             <a:pPr lvl="1"/>
             <a:r>
-              <a:rPr lang="en-US" altLang="zh-CN" dirty="0" err="1"/>
-              <a:t>fctlg</a:t>
-            </a:r>
-            <a:r>
               <a:rPr lang="en-US" altLang="zh-CN" dirty="0"/>
-              <a:t>: catalog file, just rough location would be enough</a:t>
+              <a:t>fctlg: catalog file, just rough location would be enough</a:t>
             </a:r>
           </a:p>
           <a:p>
@@ -3629,13 +3634,25 @@
             </a:r>
           </a:p>
           <a:p>
+            <a:pPr lvl="1"/>
+            <a:endParaRPr lang="en-US" altLang="zh-CN" dirty="0"/>
+          </a:p>
+          <a:p>
             <a:r>
               <a:rPr lang="en-US" altLang="zh-CN" dirty="0"/>
-              <a:t>Outputs</a:t>
+              <a:t>Output</a:t>
             </a:r>
           </a:p>
           <a:p>
             <a:pPr lvl="1"/>
+            <a:r>
+              <a:rPr lang="en-US" altLang="zh-CN" dirty="0"/>
+              <a:t>fpha &amp; </a:t>
+            </a:r>
+            <a:r>
+              <a:rPr lang="en-US" altLang="zh-CN" dirty="0" err="1"/>
+              <a:t>fpha_hyp</a:t>
+            </a:r>
             <a:endParaRPr lang="zh-CN" altLang="en-US" dirty="0"/>
           </a:p>
         </p:txBody>
@@ -3670,81 +3687,631 @@
           <a:chExt cx="0" cy="0"/>
         </a:xfrm>
       </p:grpSpPr>
-      <p:sp>
-        <p:nvSpPr>
-          <p:cNvPr id="2" name="标题 1">
-            <a:extLst>
-              <a:ext uri="{FF2B5EF4-FFF2-40B4-BE49-F238E27FC236}">
-                <a16:creationId xmlns:a16="http://schemas.microsoft.com/office/drawing/2014/main" id="{DDB7F3E2-4A6B-4C31-8140-4D98E02DC086}"/>
-              </a:ext>
-            </a:extLst>
-          </p:cNvPr>
-          <p:cNvSpPr>
-            <a:spLocks noGrp="1"/>
-          </p:cNvSpPr>
-          <p:nvPr>
-            <p:ph type="title"/>
-          </p:nvPr>
-        </p:nvSpPr>
-        <p:spPr/>
-        <p:txBody>
-          <a:bodyPr/>
-          <a:lstStyle/>
-          <a:p>
-            <a:r>
-              <a:rPr lang="en-US" altLang="zh-CN" b="1" dirty="0"/>
-              <a:t>2. Source Spectrum Analysis</a:t>
-            </a:r>
-            <a:endParaRPr lang="zh-CN" altLang="en-US" b="1" dirty="0"/>
-          </a:p>
-        </p:txBody>
-      </p:sp>
-      <p:sp>
-        <p:nvSpPr>
-          <p:cNvPr id="3" name="内容占位符 2">
-            <a:extLst>
-              <a:ext uri="{FF2B5EF4-FFF2-40B4-BE49-F238E27FC236}">
-                <a16:creationId xmlns:a16="http://schemas.microsoft.com/office/drawing/2014/main" id="{F27316EB-95B3-475E-BE60-745394C9B4EA}"/>
-              </a:ext>
-            </a:extLst>
-          </p:cNvPr>
-          <p:cNvSpPr>
-            <a:spLocks noGrp="1"/>
-          </p:cNvSpPr>
-          <p:nvPr>
-            <p:ph idx="1"/>
-          </p:nvPr>
-        </p:nvSpPr>
-        <p:spPr/>
-        <p:txBody>
-          <a:bodyPr/>
-          <a:lstStyle/>
-          <a:p>
-            <a:r>
-              <a:rPr lang="en-US" altLang="zh-CN" dirty="0"/>
-              <a:t>Inputs</a:t>
-            </a:r>
-          </a:p>
-          <a:p>
-            <a:pPr lvl="1"/>
-            <a:endParaRPr lang="en-US" altLang="zh-CN" dirty="0"/>
-          </a:p>
-          <a:p>
-            <a:r>
-              <a:rPr lang="en-US" altLang="zh-CN" dirty="0"/>
-              <a:t>Outputs</a:t>
-            </a:r>
-          </a:p>
-          <a:p>
-            <a:pPr lvl="1"/>
-            <a:endParaRPr lang="zh-CN" altLang="en-US" dirty="0"/>
-          </a:p>
-        </p:txBody>
-      </p:sp>
+      <p:graphicFrame>
+        <p:nvGraphicFramePr>
+          <p:cNvPr id="20" name="表格 19">
+            <a:extLst>
+              <a:ext uri="{FF2B5EF4-FFF2-40B4-BE49-F238E27FC236}">
+                <a16:creationId xmlns:a16="http://schemas.microsoft.com/office/drawing/2014/main" id="{87BDEDD1-8AD4-43E0-B5D9-A7E011EB29EE}"/>
+              </a:ext>
+            </a:extLst>
+          </p:cNvPr>
+          <p:cNvGraphicFramePr>
+            <a:graphicFrameLocks noGrp="1"/>
+          </p:cNvGraphicFramePr>
+          <p:nvPr>
+            <p:extLst>
+              <p:ext uri="{D42A27DB-BD31-4B8C-83A1-F6EECF244321}">
+                <p14:modId xmlns:p14="http://schemas.microsoft.com/office/powerpoint/2010/main" val="2539703717"/>
+              </p:ext>
+            </p:extLst>
+          </p:nvPr>
+        </p:nvGraphicFramePr>
+        <p:xfrm>
+          <a:off x="1432560" y="868680"/>
+          <a:ext cx="9326880" cy="5120640"/>
+        </p:xfrm>
+        <a:graphic>
+          <a:graphicData uri="http://schemas.openxmlformats.org/drawingml/2006/table">
+            <a:tbl>
+              <a:tblPr firstRow="1" bandRow="1">
+                <a:tableStyleId>{9D7B26C5-4107-4FEC-AEDC-1716B250A1EF}</a:tableStyleId>
+              </a:tblPr>
+              <a:tblGrid>
+                <a:gridCol w="2194560">
+                  <a:extLst>
+                    <a:ext uri="{9D8B030D-6E8A-4147-A177-3AD203B41FA5}">
+                      <a16:colId xmlns:a16="http://schemas.microsoft.com/office/drawing/2014/main" val="4154704583"/>
+                    </a:ext>
+                  </a:extLst>
+                </a:gridCol>
+                <a:gridCol w="2194560">
+                  <a:extLst>
+                    <a:ext uri="{9D8B030D-6E8A-4147-A177-3AD203B41FA5}">
+                      <a16:colId xmlns:a16="http://schemas.microsoft.com/office/drawing/2014/main" val="198924101"/>
+                    </a:ext>
+                  </a:extLst>
+                </a:gridCol>
+                <a:gridCol w="2194560">
+                  <a:extLst>
+                    <a:ext uri="{9D8B030D-6E8A-4147-A177-3AD203B41FA5}">
+                      <a16:colId xmlns:a16="http://schemas.microsoft.com/office/drawing/2014/main" val="608997230"/>
+                    </a:ext>
+                  </a:extLst>
+                </a:gridCol>
+                <a:gridCol w="2743200">
+                  <a:extLst>
+                    <a:ext uri="{9D8B030D-6E8A-4147-A177-3AD203B41FA5}">
+                      <a16:colId xmlns:a16="http://schemas.microsoft.com/office/drawing/2014/main" val="1101456862"/>
+                    </a:ext>
+                  </a:extLst>
+                </a:gridCol>
+              </a:tblGrid>
+              <a:tr h="731520">
+                <a:tc>
+                  <a:txBody>
+                    <a:bodyPr/>
+                    <a:lstStyle/>
+                    <a:p>
+                      <a:pPr algn="ctr"/>
+                      <a:r>
+                        <a:rPr lang="en-US" altLang="zh-CN" sz="2000" dirty="0"/>
+                        <a:t>Input</a:t>
+                      </a:r>
+                      <a:endParaRPr lang="zh-CN" altLang="en-US" sz="2000" dirty="0"/>
+                    </a:p>
+                  </a:txBody>
+                  <a:tcPr anchor="ctr"/>
+                </a:tc>
+                <a:tc>
+                  <a:txBody>
+                    <a:bodyPr/>
+                    <a:lstStyle/>
+                    <a:p>
+                      <a:pPr algn="ctr"/>
+                      <a:r>
+                        <a:rPr lang="en-US" altLang="zh-CN" sz="2000" dirty="0"/>
+                        <a:t>Operation</a:t>
+                      </a:r>
+                      <a:endParaRPr lang="zh-CN" altLang="en-US" sz="2000" dirty="0"/>
+                    </a:p>
+                  </a:txBody>
+                  <a:tcPr anchor="ctr"/>
+                </a:tc>
+                <a:tc>
+                  <a:txBody>
+                    <a:bodyPr/>
+                    <a:lstStyle/>
+                    <a:p>
+                      <a:pPr algn="ctr"/>
+                      <a:r>
+                        <a:rPr lang="en-US" altLang="zh-CN" sz="2000" dirty="0"/>
+                        <a:t>Output</a:t>
+                      </a:r>
+                      <a:endParaRPr lang="zh-CN" altLang="en-US" sz="2000" dirty="0"/>
+                    </a:p>
+                  </a:txBody>
+                  <a:tcPr anchor="ctr"/>
+                </a:tc>
+                <a:tc>
+                  <a:txBody>
+                    <a:bodyPr/>
+                    <a:lstStyle/>
+                    <a:p>
+                      <a:pPr algn="ctr"/>
+                      <a:r>
+                        <a:rPr lang="en-US" altLang="zh-CN" sz="2000" i="1" dirty="0"/>
+                        <a:t>Notes</a:t>
+                      </a:r>
+                      <a:endParaRPr lang="zh-CN" altLang="en-US" sz="2000" i="1" dirty="0"/>
+                    </a:p>
+                  </a:txBody>
+                  <a:tcPr anchor="ctr"/>
+                </a:tc>
+                <a:extLst>
+                  <a:ext uri="{0D108BD9-81ED-4DB2-BD59-A6C34878D82A}">
+                    <a16:rowId xmlns:a16="http://schemas.microsoft.com/office/drawing/2014/main" val="97413968"/>
+                  </a:ext>
+                </a:extLst>
+              </a:tr>
+              <a:tr h="731520">
+                <a:tc>
+                  <a:txBody>
+                    <a:bodyPr/>
+                    <a:lstStyle/>
+                    <a:p>
+                      <a:pPr algn="ctr"/>
+                      <a:r>
+                        <a:rPr lang="en-US" altLang="zh-CN" dirty="0"/>
+                        <a:t>fctlg &amp; fsta</a:t>
+                      </a:r>
+                      <a:endParaRPr lang="zh-CN" altLang="en-US" dirty="0"/>
+                    </a:p>
+                  </a:txBody>
+                  <a:tcPr anchor="ctr">
+                    <a:noFill/>
+                  </a:tcPr>
+                </a:tc>
+                <a:tc>
+                  <a:txBody>
+                    <a:bodyPr/>
+                    <a:lstStyle/>
+                    <a:p>
+                      <a:pPr algn="ctr"/>
+                      <a:r>
+                        <a:rPr lang="en-US" altLang="zh-CN" i="1" dirty="0"/>
+                        <a:t>ctlg2pha.py</a:t>
+                      </a:r>
+                      <a:endParaRPr lang="zh-CN" altLang="en-US" i="1" dirty="0"/>
+                    </a:p>
+                  </a:txBody>
+                  <a:tcPr anchor="ctr">
+                    <a:noFill/>
+                  </a:tcPr>
+                </a:tc>
+                <a:tc>
+                  <a:txBody>
+                    <a:bodyPr/>
+                    <a:lstStyle/>
+                    <a:p>
+                      <a:pPr algn="ctr"/>
+                      <a:r>
+                        <a:rPr lang="en-US" altLang="zh-CN" dirty="0"/>
+                        <a:t>fpha_org</a:t>
+                      </a:r>
+                      <a:endParaRPr lang="zh-CN" altLang="en-US" dirty="0"/>
+                    </a:p>
+                  </a:txBody>
+                  <a:tcPr anchor="ctr">
+                    <a:noFill/>
+                  </a:tcPr>
+                </a:tc>
+                <a:tc>
+                  <a:txBody>
+                    <a:bodyPr/>
+                    <a:lstStyle/>
+                    <a:p>
+                      <a:pPr algn="ctr"/>
+                      <a:r>
+                        <a:rPr lang="en-US" altLang="zh-CN" dirty="0"/>
+                        <a:t>predicted phase arrival, need manual pick</a:t>
+                      </a:r>
+                      <a:endParaRPr lang="zh-CN" altLang="en-US" dirty="0"/>
+                    </a:p>
+                  </a:txBody>
+                  <a:tcPr anchor="ctr">
+                    <a:noFill/>
+                  </a:tcPr>
+                </a:tc>
+                <a:extLst>
+                  <a:ext uri="{0D108BD9-81ED-4DB2-BD59-A6C34878D82A}">
+                    <a16:rowId xmlns:a16="http://schemas.microsoft.com/office/drawing/2014/main" val="4099626596"/>
+                  </a:ext>
+                </a:extLst>
+              </a:tr>
+              <a:tr h="731520">
+                <a:tc>
+                  <a:txBody>
+                    <a:bodyPr/>
+                    <a:lstStyle/>
+                    <a:p>
+                      <a:pPr algn="ctr"/>
+                      <a:r>
+                        <a:rPr lang="en-US" altLang="zh-CN" dirty="0"/>
+                        <a:t>fpha_org</a:t>
+                      </a:r>
+                      <a:endParaRPr lang="zh-CN" altLang="en-US" dirty="0"/>
+                    </a:p>
+                  </a:txBody>
+                  <a:tcPr anchor="ctr">
+                    <a:noFill/>
+                  </a:tcPr>
+                </a:tc>
+                <a:tc>
+                  <a:txBody>
+                    <a:bodyPr/>
+                    <a:lstStyle/>
+                    <a:p>
+                      <a:pPr algn="ctr"/>
+                      <a:r>
+                        <a:rPr lang="en-US" altLang="zh-CN" dirty="0"/>
+                        <a:t>cut events</a:t>
+                      </a:r>
+                      <a:endParaRPr lang="zh-CN" altLang="en-US" dirty="0"/>
+                    </a:p>
+                  </a:txBody>
+                  <a:tcPr anchor="ctr">
+                    <a:noFill/>
+                  </a:tcPr>
+                </a:tc>
+                <a:tc>
+                  <a:txBody>
+                    <a:bodyPr/>
+                    <a:lstStyle/>
+                    <a:p>
+                      <a:pPr algn="ctr"/>
+                      <a:r>
+                        <a:rPr lang="en-US" altLang="zh-CN" dirty="0"/>
+                        <a:t>events/[event_name]</a:t>
+                      </a:r>
+                    </a:p>
+                    <a:p>
+                      <a:pPr algn="ctr"/>
+                      <a:r>
+                        <a:rPr lang="en-US" altLang="zh-CN" dirty="0"/>
+                        <a:t>/[</a:t>
+                      </a:r>
+                      <a:r>
+                        <a:rPr lang="en-US" altLang="zh-CN" dirty="0" err="1"/>
+                        <a:t>net.sta.chn</a:t>
+                      </a:r>
+                      <a:r>
+                        <a:rPr lang="en-US" altLang="zh-CN" dirty="0"/>
+                        <a:t>].SAC</a:t>
+                      </a:r>
+                      <a:endParaRPr lang="zh-CN" altLang="en-US" dirty="0"/>
+                    </a:p>
+                  </a:txBody>
+                  <a:tcPr anchor="ctr">
+                    <a:noFill/>
+                  </a:tcPr>
+                </a:tc>
+                <a:tc>
+                  <a:txBody>
+                    <a:bodyPr/>
+                    <a:lstStyle/>
+                    <a:p>
+                      <a:pPr algn="ctr"/>
+                      <a:endParaRPr lang="zh-CN" altLang="en-US" dirty="0"/>
+                    </a:p>
+                  </a:txBody>
+                  <a:tcPr anchor="ctr">
+                    <a:noFill/>
+                  </a:tcPr>
+                </a:tc>
+                <a:extLst>
+                  <a:ext uri="{0D108BD9-81ED-4DB2-BD59-A6C34878D82A}">
+                    <a16:rowId xmlns:a16="http://schemas.microsoft.com/office/drawing/2014/main" val="1442740597"/>
+                  </a:ext>
+                </a:extLst>
+              </a:tr>
+              <a:tr h="731520">
+                <a:tc>
+                  <a:txBody>
+                    <a:bodyPr/>
+                    <a:lstStyle/>
+                    <a:p>
+                      <a:pPr algn="ctr"/>
+                      <a:endParaRPr lang="zh-CN" altLang="en-US" dirty="0"/>
+                    </a:p>
+                  </a:txBody>
+                  <a:tcPr anchor="ctr">
+                    <a:noFill/>
+                  </a:tcPr>
+                </a:tc>
+                <a:tc>
+                  <a:txBody>
+                    <a:bodyPr/>
+                    <a:lstStyle/>
+                    <a:p>
+                      <a:pPr algn="ctr"/>
+                      <a:r>
+                        <a:rPr lang="en-US" altLang="zh-CN" dirty="0"/>
+                        <a:t>SAC </a:t>
+                      </a:r>
+                      <a:r>
+                        <a:rPr lang="en-US" altLang="zh-CN" i="1" dirty="0"/>
+                        <a:t>ppk</a:t>
+                      </a:r>
+                    </a:p>
+                    <a:p>
+                      <a:pPr algn="ctr"/>
+                      <a:r>
+                        <a:rPr lang="en-US" altLang="zh-CN" dirty="0"/>
+                        <a:t>P/S/N in t0/1/2</a:t>
+                      </a:r>
+                      <a:endParaRPr lang="zh-CN" altLang="en-US" dirty="0"/>
+                    </a:p>
+                  </a:txBody>
+                  <a:tcPr anchor="ctr">
+                    <a:noFill/>
+                  </a:tcPr>
+                </a:tc>
+                <a:tc>
+                  <a:txBody>
+                    <a:bodyPr/>
+                    <a:lstStyle/>
+                    <a:p>
+                      <a:pPr algn="ctr"/>
+                      <a:endParaRPr lang="zh-CN" altLang="en-US" dirty="0"/>
+                    </a:p>
+                  </a:txBody>
+                  <a:tcPr anchor="ctr">
+                    <a:noFill/>
+                  </a:tcPr>
+                </a:tc>
+                <a:tc>
+                  <a:txBody>
+                    <a:bodyPr/>
+                    <a:lstStyle/>
+                    <a:p>
+                      <a:pPr algn="ctr"/>
+                      <a:r>
+                        <a:rPr lang="en-US" altLang="zh-CN" dirty="0"/>
+                        <a:t>only use </a:t>
+                      </a:r>
+                      <a:r>
+                        <a:rPr lang="en-US" altLang="zh-CN" i="1" dirty="0"/>
+                        <a:t>wh</a:t>
+                      </a:r>
+                      <a:r>
+                        <a:rPr lang="en-US" altLang="zh-CN" dirty="0"/>
+                        <a:t>!</a:t>
+                      </a:r>
+                      <a:endParaRPr lang="zh-CN" altLang="en-US" dirty="0"/>
+                    </a:p>
+                  </a:txBody>
+                  <a:tcPr anchor="ctr">
+                    <a:noFill/>
+                  </a:tcPr>
+                </a:tc>
+                <a:extLst>
+                  <a:ext uri="{0D108BD9-81ED-4DB2-BD59-A6C34878D82A}">
+                    <a16:rowId xmlns:a16="http://schemas.microsoft.com/office/drawing/2014/main" val="1091411228"/>
+                  </a:ext>
+                </a:extLst>
+              </a:tr>
+              <a:tr h="731520">
+                <a:tc>
+                  <a:txBody>
+                    <a:bodyPr/>
+                    <a:lstStyle/>
+                    <a:p>
+                      <a:pPr algn="ctr"/>
+                      <a:r>
+                        <a:rPr lang="en-US" altLang="zh-CN" dirty="0"/>
+                        <a:t>events</a:t>
+                      </a:r>
+                    </a:p>
+                    <a:p>
+                      <a:pPr algn="ctr"/>
+                      <a:r>
+                        <a:rPr lang="en-US" altLang="zh-CN" dirty="0"/>
+                        <a:t>&amp; fpha_org</a:t>
+                      </a:r>
+                      <a:endParaRPr lang="zh-CN" altLang="en-US" dirty="0"/>
+                    </a:p>
+                  </a:txBody>
+                  <a:tcPr anchor="ctr">
+                    <a:noFill/>
+                  </a:tcPr>
+                </a:tc>
+                <a:tc>
+                  <a:txBody>
+                    <a:bodyPr/>
+                    <a:lstStyle/>
+                    <a:p>
+                      <a:pPr algn="ctr"/>
+                      <a:r>
+                        <a:rPr lang="en-US" altLang="zh-CN" i="1" dirty="0"/>
+                        <a:t>head2pha.py</a:t>
+                      </a:r>
+                      <a:endParaRPr lang="zh-CN" altLang="en-US" i="1" dirty="0"/>
+                    </a:p>
+                  </a:txBody>
+                  <a:tcPr anchor="ctr">
+                    <a:noFill/>
+                  </a:tcPr>
+                </a:tc>
+                <a:tc>
+                  <a:txBody>
+                    <a:bodyPr/>
+                    <a:lstStyle/>
+                    <a:p>
+                      <a:pPr algn="ctr"/>
+                      <a:r>
+                        <a:rPr lang="en-US" altLang="zh-CN" dirty="0"/>
+                        <a:t>fpha</a:t>
+                      </a:r>
+                      <a:endParaRPr lang="zh-CN" altLang="en-US" dirty="0"/>
+                    </a:p>
+                  </a:txBody>
+                  <a:tcPr anchor="ctr">
+                    <a:noFill/>
+                  </a:tcPr>
+                </a:tc>
+                <a:tc>
+                  <a:txBody>
+                    <a:bodyPr/>
+                    <a:lstStyle/>
+                    <a:p>
+                      <a:pPr algn="ctr"/>
+                      <a:endParaRPr lang="zh-CN" altLang="en-US" dirty="0"/>
+                    </a:p>
+                  </a:txBody>
+                  <a:tcPr anchor="ctr">
+                    <a:noFill/>
+                  </a:tcPr>
+                </a:tc>
+                <a:extLst>
+                  <a:ext uri="{0D108BD9-81ED-4DB2-BD59-A6C34878D82A}">
+                    <a16:rowId xmlns:a16="http://schemas.microsoft.com/office/drawing/2014/main" val="2425753656"/>
+                  </a:ext>
+                </a:extLst>
+              </a:tr>
+              <a:tr h="731520">
+                <a:tc>
+                  <a:txBody>
+                    <a:bodyPr/>
+                    <a:lstStyle/>
+                    <a:p>
+                      <a:pPr algn="ctr"/>
+                      <a:r>
+                        <a:rPr lang="en-US" altLang="zh-CN" dirty="0"/>
+                        <a:t>fpha</a:t>
+                      </a:r>
+                      <a:endParaRPr lang="zh-CN" altLang="en-US" dirty="0"/>
+                    </a:p>
+                  </a:txBody>
+                  <a:tcPr anchor="ctr">
+                    <a:noFill/>
+                  </a:tcPr>
+                </a:tc>
+                <a:tc>
+                  <a:txBody>
+                    <a:bodyPr/>
+                    <a:lstStyle/>
+                    <a:p>
+                      <a:pPr algn="ctr"/>
+                      <a:r>
+                        <a:rPr lang="en-US" altLang="zh-CN" dirty="0"/>
+                        <a:t>cut events</a:t>
+                      </a:r>
+                      <a:endParaRPr lang="zh-CN" altLang="en-US" dirty="0"/>
+                    </a:p>
+                  </a:txBody>
+                  <a:tcPr anchor="ctr">
+                    <a:noFill/>
+                  </a:tcPr>
+                </a:tc>
+                <a:tc>
+                  <a:txBody>
+                    <a:bodyPr/>
+                    <a:lstStyle/>
+                    <a:p>
+                      <a:pPr algn="ctr"/>
+                      <a:r>
+                        <a:rPr lang="en-US" altLang="zh-CN" dirty="0"/>
+                        <a:t>events/[event_name]</a:t>
+                      </a:r>
+                    </a:p>
+                    <a:p>
+                      <a:pPr algn="ctr"/>
+                      <a:r>
+                        <a:rPr lang="en-US" altLang="zh-CN" dirty="0"/>
+                        <a:t>/[</a:t>
+                      </a:r>
+                      <a:r>
+                        <a:rPr lang="en-US" altLang="zh-CN" dirty="0" err="1"/>
+                        <a:t>net.sta.chn</a:t>
+                      </a:r>
+                      <a:r>
+                        <a:rPr lang="en-US" altLang="zh-CN" dirty="0"/>
+                        <a:t>].SAC</a:t>
+                      </a:r>
+                      <a:endParaRPr lang="zh-CN" altLang="en-US" dirty="0"/>
+                    </a:p>
+                  </a:txBody>
+                  <a:tcPr anchor="ctr">
+                    <a:noFill/>
+                  </a:tcPr>
+                </a:tc>
+                <a:tc>
+                  <a:txBody>
+                    <a:bodyPr/>
+                    <a:lstStyle/>
+                    <a:p>
+                      <a:pPr algn="ctr"/>
+                      <a:r>
+                        <a:rPr lang="en-US" altLang="zh-CN" dirty="0"/>
+                        <a:t>may repeat the manual picking process</a:t>
+                      </a:r>
+                      <a:endParaRPr lang="zh-CN" altLang="en-US" dirty="0"/>
+                    </a:p>
+                  </a:txBody>
+                  <a:tcPr anchor="ctr">
+                    <a:noFill/>
+                  </a:tcPr>
+                </a:tc>
+                <a:extLst>
+                  <a:ext uri="{0D108BD9-81ED-4DB2-BD59-A6C34878D82A}">
+                    <a16:rowId xmlns:a16="http://schemas.microsoft.com/office/drawing/2014/main" val="371219499"/>
+                  </a:ext>
+                </a:extLst>
+              </a:tr>
+              <a:tr h="731520">
+                <a:tc>
+                  <a:txBody>
+                    <a:bodyPr/>
+                    <a:lstStyle/>
+                    <a:p>
+                      <a:pPr algn="ctr"/>
+                      <a:r>
+                        <a:rPr lang="en-US" altLang="zh-CN" dirty="0"/>
+                        <a:t>fpha</a:t>
+                      </a:r>
+                      <a:endParaRPr lang="zh-CN" altLang="en-US" dirty="0"/>
+                    </a:p>
+                  </a:txBody>
+                  <a:tcPr anchor="ctr">
+                    <a:noFill/>
+                  </a:tcPr>
+                </a:tc>
+                <a:tc>
+                  <a:txBody>
+                    <a:bodyPr/>
+                    <a:lstStyle/>
+                    <a:p>
+                      <a:pPr algn="ctr"/>
+                      <a:r>
+                        <a:rPr lang="en-US" altLang="zh-CN" dirty="0"/>
+                        <a:t>event location</a:t>
+                      </a:r>
+                      <a:endParaRPr lang="zh-CN" altLang="en-US" dirty="0"/>
+                    </a:p>
+                  </a:txBody>
+                  <a:tcPr anchor="ctr">
+                    <a:noFill/>
+                  </a:tcPr>
+                </a:tc>
+                <a:tc>
+                  <a:txBody>
+                    <a:bodyPr/>
+                    <a:lstStyle/>
+                    <a:p>
+                      <a:pPr algn="ctr"/>
+                      <a:r>
+                        <a:rPr lang="en-US" altLang="zh-CN" dirty="0" err="1"/>
+                        <a:t>fpha_hyp</a:t>
+                      </a:r>
+                      <a:endParaRPr lang="zh-CN" altLang="en-US" dirty="0"/>
+                    </a:p>
+                  </a:txBody>
+                  <a:tcPr anchor="ctr">
+                    <a:noFill/>
+                  </a:tcPr>
+                </a:tc>
+                <a:tc>
+                  <a:txBody>
+                    <a:bodyPr/>
+                    <a:lstStyle/>
+                    <a:p>
+                      <a:pPr algn="ctr"/>
+                      <a:r>
+                        <a:rPr lang="en-US" altLang="zh-CN" i="0" u="none" dirty="0"/>
+                        <a:t>use Hypo-Interface-Py</a:t>
+                      </a:r>
+                      <a:endParaRPr lang="zh-CN" altLang="en-US" i="0" u="none" dirty="0"/>
+                    </a:p>
+                  </a:txBody>
+                  <a:tcPr anchor="ctr">
+                    <a:noFill/>
+                  </a:tcPr>
+                </a:tc>
+                <a:extLst>
+                  <a:ext uri="{0D108BD9-81ED-4DB2-BD59-A6C34878D82A}">
+                    <a16:rowId xmlns:a16="http://schemas.microsoft.com/office/drawing/2014/main" val="891184678"/>
+                  </a:ext>
+                </a:extLst>
+              </a:tr>
+            </a:tbl>
+          </a:graphicData>
+        </a:graphic>
+      </p:graphicFrame>
     </p:spTree>
     <p:extLst>
       <p:ext uri="{BB962C8B-B14F-4D97-AF65-F5344CB8AC3E}">
-        <p14:creationId xmlns:p14="http://schemas.microsoft.com/office/powerpoint/2010/main" val="2637514857"/>
+        <p14:creationId xmlns:p14="http://schemas.microsoft.com/office/powerpoint/2010/main" val="3407515876"/>
       </p:ext>
     </p:extLst>
   </p:cSld>
@@ -3776,7 +4343,7 @@
           <p:cNvPr id="2" name="标题 1">
             <a:extLst>
               <a:ext uri="{FF2B5EF4-FFF2-40B4-BE49-F238E27FC236}">
-                <a16:creationId xmlns:a16="http://schemas.microsoft.com/office/drawing/2014/main" id="{C06E506E-E6A2-49E2-B655-1DA955D9F787}"/>
+                <a16:creationId xmlns:a16="http://schemas.microsoft.com/office/drawing/2014/main" id="{DDB7F3E2-4A6B-4C31-8140-4D98E02DC086}"/>
               </a:ext>
             </a:extLst>
           </p:cNvPr>
@@ -3794,7 +4361,7 @@
           <a:p>
             <a:r>
               <a:rPr lang="en-US" altLang="zh-CN" b="1" dirty="0"/>
-              <a:t>2.1 Data Preparation </a:t>
+              <a:t>2. Source Spectrum Analysis</a:t>
             </a:r>
             <a:endParaRPr lang="zh-CN" altLang="en-US" b="1" dirty="0"/>
           </a:p>
@@ -3802,269 +4369,1314 @@
       </p:sp>
       <p:sp>
         <p:nvSpPr>
-          <p:cNvPr id="4" name="文本框 3">
-            <a:extLst>
-              <a:ext uri="{FF2B5EF4-FFF2-40B4-BE49-F238E27FC236}">
-                <a16:creationId xmlns:a16="http://schemas.microsoft.com/office/drawing/2014/main" id="{046FE584-9673-468F-806B-604C4F0B49CB}"/>
-              </a:ext>
-            </a:extLst>
-          </p:cNvPr>
-          <p:cNvSpPr txBox="1"/>
-          <p:nvPr/>
+          <p:cNvPr id="3" name="内容占位符 2">
+            <a:extLst>
+              <a:ext uri="{FF2B5EF4-FFF2-40B4-BE49-F238E27FC236}">
+                <a16:creationId xmlns:a16="http://schemas.microsoft.com/office/drawing/2014/main" id="{F27316EB-95B3-475E-BE60-745394C9B4EA}"/>
+              </a:ext>
+            </a:extLst>
+          </p:cNvPr>
+          <p:cNvSpPr>
+            <a:spLocks noGrp="1"/>
+          </p:cNvSpPr>
+          <p:nvPr>
+            <p:ph idx="1"/>
+          </p:nvPr>
+        </p:nvSpPr>
+        <p:spPr/>
+        <p:txBody>
+          <a:bodyPr/>
+          <a:lstStyle/>
+          <a:p>
+            <a:r>
+              <a:rPr lang="en-US" altLang="zh-CN" dirty="0"/>
+              <a:t>Input</a:t>
+            </a:r>
+          </a:p>
+          <a:p>
+            <a:pPr lvl="1"/>
+            <a:r>
+              <a:rPr lang="en-US" altLang="zh-CN" dirty="0"/>
+              <a:t>fctlg_all: catalog that contains all candidate EGF events</a:t>
+            </a:r>
+          </a:p>
+          <a:p>
+            <a:pPr lvl="1"/>
+            <a:r>
+              <a:rPr lang="en-US" altLang="zh-CN" dirty="0"/>
+              <a:t>fsta: station file</a:t>
+            </a:r>
+          </a:p>
+          <a:p>
+            <a:r>
+              <a:rPr lang="en-US" altLang="zh-CN" dirty="0"/>
+              <a:t>Output</a:t>
+            </a:r>
+          </a:p>
+          <a:p>
+            <a:pPr lvl="1"/>
+            <a:endParaRPr lang="zh-CN" altLang="en-US" dirty="0"/>
+          </a:p>
+        </p:txBody>
+      </p:sp>
+    </p:spTree>
+    <p:extLst>
+      <p:ext uri="{BB962C8B-B14F-4D97-AF65-F5344CB8AC3E}">
+        <p14:creationId xmlns:p14="http://schemas.microsoft.com/office/powerpoint/2010/main" val="2637514857"/>
+      </p:ext>
+    </p:extLst>
+  </p:cSld>
+  <p:clrMapOvr>
+    <a:masterClrMapping/>
+  </p:clrMapOvr>
+</p:sld>
+</file>
+
+<file path=ppt/slides/slide6.xml><?xml version="1.0" encoding="utf-8"?>
+<p:sld xmlns:a="http://schemas.openxmlformats.org/drawingml/2006/main" xmlns:r="http://schemas.openxmlformats.org/officeDocument/2006/relationships" xmlns:p="http://schemas.openxmlformats.org/presentationml/2006/main">
+  <p:cSld>
+    <p:spTree>
+      <p:nvGrpSpPr>
+        <p:cNvPr id="1" name=""/>
+        <p:cNvGrpSpPr/>
+        <p:nvPr/>
+      </p:nvGrpSpPr>
+      <p:grpSpPr>
+        <a:xfrm>
+          <a:off x="0" y="0"/>
+          <a:ext cx="0" cy="0"/>
+          <a:chOff x="0" y="0"/>
+          <a:chExt cx="0" cy="0"/>
+        </a:xfrm>
+      </p:grpSpPr>
+      <p:sp>
+        <p:nvSpPr>
+          <p:cNvPr id="2" name="标题 1">
+            <a:extLst>
+              <a:ext uri="{FF2B5EF4-FFF2-40B4-BE49-F238E27FC236}">
+                <a16:creationId xmlns:a16="http://schemas.microsoft.com/office/drawing/2014/main" id="{C06E506E-E6A2-49E2-B655-1DA955D9F787}"/>
+              </a:ext>
+            </a:extLst>
+          </p:cNvPr>
+          <p:cNvSpPr>
+            <a:spLocks noGrp="1"/>
+          </p:cNvSpPr>
+          <p:nvPr>
+            <p:ph type="title"/>
+          </p:nvPr>
         </p:nvSpPr>
         <p:spPr>
           <a:xfrm>
-            <a:off x="4658558" y="2405902"/>
-            <a:ext cx="1371600" cy="369332"/>
+            <a:off x="838200" y="365125"/>
+            <a:ext cx="10515600" cy="1005840"/>
           </a:xfrm>
-          <a:prstGeom prst="rect">
-            <a:avLst/>
-          </a:prstGeom>
-          <a:noFill/>
-          <a:ln w="12700">
-            <a:solidFill>
-              <a:schemeClr val="tx1"/>
-            </a:solidFill>
-          </a:ln>
         </p:spPr>
         <p:txBody>
-          <a:bodyPr wrap="square" rtlCol="0">
-            <a:spAutoFit/>
+          <a:bodyPr>
+            <a:normAutofit/>
           </a:bodyPr>
           <a:lstStyle/>
           <a:p>
-            <a:pPr algn="ctr"/>
-            <a:r>
-              <a:rPr lang="en-US" altLang="zh-CN" dirty="0"/>
-              <a:t>select EGF</a:t>
-            </a:r>
-            <a:endParaRPr lang="zh-CN" altLang="en-US" dirty="0"/>
-          </a:p>
-        </p:txBody>
-      </p:sp>
-      <p:sp>
-        <p:nvSpPr>
-          <p:cNvPr id="5" name="文本框 4">
-            <a:extLst>
-              <a:ext uri="{FF2B5EF4-FFF2-40B4-BE49-F238E27FC236}">
-                <a16:creationId xmlns:a16="http://schemas.microsoft.com/office/drawing/2014/main" id="{CB4A19BF-83AD-4B23-9AB6-1E73B4F1EE40}"/>
-              </a:ext>
-            </a:extLst>
-          </p:cNvPr>
-          <p:cNvSpPr txBox="1"/>
-          <p:nvPr/>
+            <a:r>
+              <a:rPr lang="en-US" altLang="zh-CN" sz="4000" b="1" dirty="0"/>
+              <a:t>2.1 Prepare Target Event Data</a:t>
+            </a:r>
+            <a:endParaRPr lang="zh-CN" altLang="en-US" sz="4000" b="1" dirty="0"/>
+          </a:p>
+        </p:txBody>
+      </p:sp>
+      <p:graphicFrame>
+        <p:nvGraphicFramePr>
+          <p:cNvPr id="20" name="表格 19">
+            <a:extLst>
+              <a:ext uri="{FF2B5EF4-FFF2-40B4-BE49-F238E27FC236}">
+                <a16:creationId xmlns:a16="http://schemas.microsoft.com/office/drawing/2014/main" id="{87BDEDD1-8AD4-43E0-B5D9-A7E011EB29EE}"/>
+              </a:ext>
+            </a:extLst>
+          </p:cNvPr>
+          <p:cNvGraphicFramePr>
+            <a:graphicFrameLocks noGrp="1"/>
+          </p:cNvGraphicFramePr>
+          <p:nvPr>
+            <p:extLst>
+              <p:ext uri="{D42A27DB-BD31-4B8C-83A1-F6EECF244321}">
+                <p14:modId xmlns:p14="http://schemas.microsoft.com/office/powerpoint/2010/main" val="290177136"/>
+              </p:ext>
+            </p:extLst>
+          </p:nvPr>
+        </p:nvGraphicFramePr>
+        <p:xfrm>
+          <a:off x="1432560" y="1600200"/>
+          <a:ext cx="9326880" cy="4389120"/>
+        </p:xfrm>
+        <a:graphic>
+          <a:graphicData uri="http://schemas.openxmlformats.org/drawingml/2006/table">
+            <a:tbl>
+              <a:tblPr firstRow="1" bandRow="1">
+                <a:tableStyleId>{9D7B26C5-4107-4FEC-AEDC-1716B250A1EF}</a:tableStyleId>
+              </a:tblPr>
+              <a:tblGrid>
+                <a:gridCol w="2194560">
+                  <a:extLst>
+                    <a:ext uri="{9D8B030D-6E8A-4147-A177-3AD203B41FA5}">
+                      <a16:colId xmlns:a16="http://schemas.microsoft.com/office/drawing/2014/main" val="4154704583"/>
+                    </a:ext>
+                  </a:extLst>
+                </a:gridCol>
+                <a:gridCol w="2194560">
+                  <a:extLst>
+                    <a:ext uri="{9D8B030D-6E8A-4147-A177-3AD203B41FA5}">
+                      <a16:colId xmlns:a16="http://schemas.microsoft.com/office/drawing/2014/main" val="198924101"/>
+                    </a:ext>
+                  </a:extLst>
+                </a:gridCol>
+                <a:gridCol w="2194560">
+                  <a:extLst>
+                    <a:ext uri="{9D8B030D-6E8A-4147-A177-3AD203B41FA5}">
+                      <a16:colId xmlns:a16="http://schemas.microsoft.com/office/drawing/2014/main" val="608997230"/>
+                    </a:ext>
+                  </a:extLst>
+                </a:gridCol>
+                <a:gridCol w="2743200">
+                  <a:extLst>
+                    <a:ext uri="{9D8B030D-6E8A-4147-A177-3AD203B41FA5}">
+                      <a16:colId xmlns:a16="http://schemas.microsoft.com/office/drawing/2014/main" val="1101456862"/>
+                    </a:ext>
+                  </a:extLst>
+                </a:gridCol>
+              </a:tblGrid>
+              <a:tr h="731520">
+                <a:tc>
+                  <a:txBody>
+                    <a:bodyPr/>
+                    <a:lstStyle/>
+                    <a:p>
+                      <a:pPr algn="ctr"/>
+                      <a:r>
+                        <a:rPr lang="en-US" altLang="zh-CN" sz="2000" dirty="0"/>
+                        <a:t>Input</a:t>
+                      </a:r>
+                      <a:endParaRPr lang="zh-CN" altLang="en-US" sz="2000" dirty="0"/>
+                    </a:p>
+                  </a:txBody>
+                  <a:tcPr anchor="ctr"/>
+                </a:tc>
+                <a:tc>
+                  <a:txBody>
+                    <a:bodyPr/>
+                    <a:lstStyle/>
+                    <a:p>
+                      <a:pPr algn="ctr"/>
+                      <a:r>
+                        <a:rPr lang="en-US" altLang="zh-CN" sz="2000" dirty="0"/>
+                        <a:t>Operation</a:t>
+                      </a:r>
+                      <a:endParaRPr lang="zh-CN" altLang="en-US" sz="2000" dirty="0"/>
+                    </a:p>
+                  </a:txBody>
+                  <a:tcPr anchor="ctr"/>
+                </a:tc>
+                <a:tc>
+                  <a:txBody>
+                    <a:bodyPr/>
+                    <a:lstStyle/>
+                    <a:p>
+                      <a:pPr algn="ctr"/>
+                      <a:r>
+                        <a:rPr lang="en-US" altLang="zh-CN" sz="2000" dirty="0"/>
+                        <a:t>Output</a:t>
+                      </a:r>
+                      <a:endParaRPr lang="zh-CN" altLang="en-US" sz="2000" dirty="0"/>
+                    </a:p>
+                  </a:txBody>
+                  <a:tcPr anchor="ctr"/>
+                </a:tc>
+                <a:tc>
+                  <a:txBody>
+                    <a:bodyPr/>
+                    <a:lstStyle/>
+                    <a:p>
+                      <a:pPr algn="ctr"/>
+                      <a:r>
+                        <a:rPr lang="en-US" altLang="zh-CN" sz="2000" i="1" dirty="0"/>
+                        <a:t>Notes</a:t>
+                      </a:r>
+                      <a:endParaRPr lang="zh-CN" altLang="en-US" sz="2000" i="1" dirty="0"/>
+                    </a:p>
+                  </a:txBody>
+                  <a:tcPr anchor="ctr"/>
+                </a:tc>
+                <a:extLst>
+                  <a:ext uri="{0D108BD9-81ED-4DB2-BD59-A6C34878D82A}">
+                    <a16:rowId xmlns:a16="http://schemas.microsoft.com/office/drawing/2014/main" val="97413968"/>
+                  </a:ext>
+                </a:extLst>
+              </a:tr>
+              <a:tr h="731520">
+                <a:tc>
+                  <a:txBody>
+                    <a:bodyPr/>
+                    <a:lstStyle/>
+                    <a:p>
+                      <a:pPr algn="ctr"/>
+                      <a:r>
+                        <a:rPr lang="en-US" altLang="zh-CN" dirty="0"/>
+                        <a:t>fctlg_tar &amp; fsta</a:t>
+                      </a:r>
+                      <a:endParaRPr lang="zh-CN" altLang="en-US" dirty="0"/>
+                    </a:p>
+                  </a:txBody>
+                  <a:tcPr anchor="ctr">
+                    <a:noFill/>
+                  </a:tcPr>
+                </a:tc>
+                <a:tc>
+                  <a:txBody>
+                    <a:bodyPr/>
+                    <a:lstStyle/>
+                    <a:p>
+                      <a:pPr algn="ctr"/>
+                      <a:r>
+                        <a:rPr lang="en-US" altLang="zh-CN" i="1" dirty="0"/>
+                        <a:t>ctlg2pha.py</a:t>
+                      </a:r>
+                      <a:endParaRPr lang="zh-CN" altLang="en-US" i="1" dirty="0"/>
+                    </a:p>
+                  </a:txBody>
+                  <a:tcPr anchor="ctr">
+                    <a:noFill/>
+                  </a:tcPr>
+                </a:tc>
+                <a:tc>
+                  <a:txBody>
+                    <a:bodyPr/>
+                    <a:lstStyle/>
+                    <a:p>
+                      <a:pPr algn="ctr"/>
+                      <a:r>
+                        <a:rPr lang="en-US" altLang="zh-CN" dirty="0"/>
+                        <a:t>fpha_tar_org</a:t>
+                      </a:r>
+                      <a:endParaRPr lang="zh-CN" altLang="en-US" dirty="0"/>
+                    </a:p>
+                  </a:txBody>
+                  <a:tcPr anchor="ctr">
+                    <a:noFill/>
+                  </a:tcPr>
+                </a:tc>
+                <a:tc>
+                  <a:txBody>
+                    <a:bodyPr/>
+                    <a:lstStyle/>
+                    <a:p>
+                      <a:pPr algn="ctr"/>
+                      <a:r>
+                        <a:rPr lang="en-US" altLang="zh-CN" dirty="0"/>
+                        <a:t>predicted phase arrival, need manual pick</a:t>
+                      </a:r>
+                      <a:endParaRPr lang="zh-CN" altLang="en-US" dirty="0"/>
+                    </a:p>
+                  </a:txBody>
+                  <a:tcPr anchor="ctr">
+                    <a:noFill/>
+                  </a:tcPr>
+                </a:tc>
+                <a:extLst>
+                  <a:ext uri="{0D108BD9-81ED-4DB2-BD59-A6C34878D82A}">
+                    <a16:rowId xmlns:a16="http://schemas.microsoft.com/office/drawing/2014/main" val="4099626596"/>
+                  </a:ext>
+                </a:extLst>
+              </a:tr>
+              <a:tr h="731520">
+                <a:tc>
+                  <a:txBody>
+                    <a:bodyPr/>
+                    <a:lstStyle/>
+                    <a:p>
+                      <a:pPr algn="ctr"/>
+                      <a:r>
+                        <a:rPr lang="en-US" altLang="zh-CN" dirty="0"/>
+                        <a:t>fpha_tar_org</a:t>
+                      </a:r>
+                      <a:endParaRPr lang="zh-CN" altLang="en-US" dirty="0"/>
+                    </a:p>
+                  </a:txBody>
+                  <a:tcPr anchor="ctr">
+                    <a:noFill/>
+                  </a:tcPr>
+                </a:tc>
+                <a:tc>
+                  <a:txBody>
+                    <a:bodyPr/>
+                    <a:lstStyle/>
+                    <a:p>
+                      <a:pPr algn="ctr"/>
+                      <a:r>
+                        <a:rPr lang="en-US" altLang="zh-CN" dirty="0"/>
+                        <a:t>cut Target events</a:t>
+                      </a:r>
+                      <a:endParaRPr lang="zh-CN" altLang="en-US" dirty="0"/>
+                    </a:p>
+                  </a:txBody>
+                  <a:tcPr anchor="ctr">
+                    <a:noFill/>
+                  </a:tcPr>
+                </a:tc>
+                <a:tc>
+                  <a:txBody>
+                    <a:bodyPr/>
+                    <a:lstStyle/>
+                    <a:p>
+                      <a:pPr algn="ctr"/>
+                      <a:r>
+                        <a:rPr lang="en-US" altLang="zh-CN" dirty="0"/>
+                        <a:t>events_tar</a:t>
+                      </a:r>
+                    </a:p>
+                  </a:txBody>
+                  <a:tcPr anchor="ctr">
+                    <a:noFill/>
+                  </a:tcPr>
+                </a:tc>
+                <a:tc>
+                  <a:txBody>
+                    <a:bodyPr/>
+                    <a:lstStyle/>
+                    <a:p>
+                      <a:pPr algn="ctr"/>
+                      <a:endParaRPr lang="zh-CN" altLang="en-US" dirty="0"/>
+                    </a:p>
+                  </a:txBody>
+                  <a:tcPr anchor="ctr">
+                    <a:noFill/>
+                  </a:tcPr>
+                </a:tc>
+                <a:extLst>
+                  <a:ext uri="{0D108BD9-81ED-4DB2-BD59-A6C34878D82A}">
+                    <a16:rowId xmlns:a16="http://schemas.microsoft.com/office/drawing/2014/main" val="1442740597"/>
+                  </a:ext>
+                </a:extLst>
+              </a:tr>
+              <a:tr h="731520">
+                <a:tc>
+                  <a:txBody>
+                    <a:bodyPr/>
+                    <a:lstStyle/>
+                    <a:p>
+                      <a:pPr algn="ctr"/>
+                      <a:endParaRPr lang="zh-CN" altLang="en-US" dirty="0"/>
+                    </a:p>
+                  </a:txBody>
+                  <a:tcPr anchor="ctr">
+                    <a:noFill/>
+                  </a:tcPr>
+                </a:tc>
+                <a:tc>
+                  <a:txBody>
+                    <a:bodyPr/>
+                    <a:lstStyle/>
+                    <a:p>
+                      <a:pPr algn="ctr"/>
+                      <a:r>
+                        <a:rPr lang="en-US" altLang="zh-CN" dirty="0"/>
+                        <a:t>SAC </a:t>
+                      </a:r>
+                      <a:r>
+                        <a:rPr lang="en-US" altLang="zh-CN" i="1" dirty="0"/>
+                        <a:t>ppk</a:t>
+                      </a:r>
+                    </a:p>
+                    <a:p>
+                      <a:pPr algn="ctr"/>
+                      <a:r>
+                        <a:rPr lang="en-US" altLang="zh-CN" dirty="0"/>
+                        <a:t>P/S/N in t0/1/2</a:t>
+                      </a:r>
+                      <a:endParaRPr lang="zh-CN" altLang="en-US" dirty="0"/>
+                    </a:p>
+                  </a:txBody>
+                  <a:tcPr anchor="ctr">
+                    <a:noFill/>
+                  </a:tcPr>
+                </a:tc>
+                <a:tc>
+                  <a:txBody>
+                    <a:bodyPr/>
+                    <a:lstStyle/>
+                    <a:p>
+                      <a:pPr algn="ctr"/>
+                      <a:r>
+                        <a:rPr lang="en-US" altLang="zh-CN" dirty="0"/>
+                        <a:t>fpha_tar</a:t>
+                      </a:r>
+                      <a:endParaRPr lang="zh-CN" altLang="en-US" dirty="0"/>
+                    </a:p>
+                  </a:txBody>
+                  <a:tcPr anchor="ctr">
+                    <a:noFill/>
+                  </a:tcPr>
+                </a:tc>
+                <a:tc>
+                  <a:txBody>
+                    <a:bodyPr/>
+                    <a:lstStyle/>
+                    <a:p>
+                      <a:pPr algn="ctr"/>
+                      <a:r>
+                        <a:rPr lang="en-US" altLang="zh-CN" dirty="0"/>
+                        <a:t>only use </a:t>
+                      </a:r>
+                      <a:r>
+                        <a:rPr lang="en-US" altLang="zh-CN" i="1" dirty="0"/>
+                        <a:t>wh</a:t>
+                      </a:r>
+                      <a:r>
+                        <a:rPr lang="en-US" altLang="zh-CN" dirty="0"/>
+                        <a:t>!</a:t>
+                      </a:r>
+                      <a:endParaRPr lang="zh-CN" altLang="en-US" dirty="0"/>
+                    </a:p>
+                  </a:txBody>
+                  <a:tcPr anchor="ctr">
+                    <a:noFill/>
+                  </a:tcPr>
+                </a:tc>
+                <a:extLst>
+                  <a:ext uri="{0D108BD9-81ED-4DB2-BD59-A6C34878D82A}">
+                    <a16:rowId xmlns:a16="http://schemas.microsoft.com/office/drawing/2014/main" val="1091411228"/>
+                  </a:ext>
+                </a:extLst>
+              </a:tr>
+              <a:tr h="731520">
+                <a:tc>
+                  <a:txBody>
+                    <a:bodyPr/>
+                    <a:lstStyle/>
+                    <a:p>
+                      <a:pPr algn="ctr"/>
+                      <a:r>
+                        <a:rPr lang="en-US" altLang="zh-CN" dirty="0"/>
+                        <a:t>fpha_tar</a:t>
+                      </a:r>
+                      <a:endParaRPr lang="zh-CN" altLang="en-US" dirty="0"/>
+                    </a:p>
+                  </a:txBody>
+                  <a:tcPr anchor="ctr">
+                    <a:noFill/>
+                  </a:tcPr>
+                </a:tc>
+                <a:tc>
+                  <a:txBody>
+                    <a:bodyPr/>
+                    <a:lstStyle/>
+                    <a:p>
+                      <a:pPr algn="ctr"/>
+                      <a:r>
+                        <a:rPr lang="en-US" altLang="zh-CN" dirty="0"/>
+                        <a:t>cut Target events</a:t>
+                      </a:r>
+                      <a:endParaRPr lang="zh-CN" altLang="en-US" dirty="0"/>
+                    </a:p>
+                  </a:txBody>
+                  <a:tcPr anchor="ctr">
+                    <a:noFill/>
+                  </a:tcPr>
+                </a:tc>
+                <a:tc>
+                  <a:txBody>
+                    <a:bodyPr/>
+                    <a:lstStyle/>
+                    <a:p>
+                      <a:pPr algn="ctr"/>
+                      <a:r>
+                        <a:rPr lang="en-US" altLang="zh-CN" dirty="0"/>
+                        <a:t>events_tar</a:t>
+                      </a:r>
+                    </a:p>
+                  </a:txBody>
+                  <a:tcPr anchor="ctr">
+                    <a:noFill/>
+                  </a:tcPr>
+                </a:tc>
+                <a:tc>
+                  <a:txBody>
+                    <a:bodyPr/>
+                    <a:lstStyle/>
+                    <a:p>
+                      <a:pPr algn="ctr"/>
+                      <a:r>
+                        <a:rPr lang="en-US" altLang="zh-CN" dirty="0"/>
+                        <a:t>optional</a:t>
+                      </a:r>
+                      <a:endParaRPr lang="zh-CN" altLang="en-US" dirty="0"/>
+                    </a:p>
+                  </a:txBody>
+                  <a:tcPr anchor="ctr">
+                    <a:noFill/>
+                  </a:tcPr>
+                </a:tc>
+                <a:extLst>
+                  <a:ext uri="{0D108BD9-81ED-4DB2-BD59-A6C34878D82A}">
+                    <a16:rowId xmlns:a16="http://schemas.microsoft.com/office/drawing/2014/main" val="371219499"/>
+                  </a:ext>
+                </a:extLst>
+              </a:tr>
+              <a:tr h="731520">
+                <a:tc>
+                  <a:txBody>
+                    <a:bodyPr/>
+                    <a:lstStyle/>
+                    <a:p>
+                      <a:pPr algn="ctr"/>
+                      <a:r>
+                        <a:rPr lang="en-US" altLang="zh-CN" dirty="0"/>
+                        <a:t>fpha_tar</a:t>
+                      </a:r>
+                      <a:endParaRPr lang="zh-CN" altLang="en-US" dirty="0"/>
+                    </a:p>
+                  </a:txBody>
+                  <a:tcPr anchor="ctr">
+                    <a:noFill/>
+                  </a:tcPr>
+                </a:tc>
+                <a:tc>
+                  <a:txBody>
+                    <a:bodyPr/>
+                    <a:lstStyle/>
+                    <a:p>
+                      <a:pPr algn="ctr"/>
+                      <a:r>
+                        <a:rPr lang="en-US" altLang="zh-CN" dirty="0"/>
+                        <a:t>event location</a:t>
+                      </a:r>
+                      <a:endParaRPr lang="zh-CN" altLang="en-US" dirty="0"/>
+                    </a:p>
+                  </a:txBody>
+                  <a:tcPr anchor="ctr">
+                    <a:noFill/>
+                  </a:tcPr>
+                </a:tc>
+                <a:tc>
+                  <a:txBody>
+                    <a:bodyPr/>
+                    <a:lstStyle/>
+                    <a:p>
+                      <a:pPr algn="ctr"/>
+                      <a:r>
+                        <a:rPr lang="en-US" altLang="zh-CN" dirty="0"/>
+                        <a:t>fpha_tar_hyp</a:t>
+                      </a:r>
+                      <a:endParaRPr lang="zh-CN" altLang="en-US" dirty="0"/>
+                    </a:p>
+                  </a:txBody>
+                  <a:tcPr anchor="ctr">
+                    <a:noFill/>
+                  </a:tcPr>
+                </a:tc>
+                <a:tc>
+                  <a:txBody>
+                    <a:bodyPr/>
+                    <a:lstStyle/>
+                    <a:p>
+                      <a:pPr algn="ctr"/>
+                      <a:r>
+                        <a:rPr lang="en-US" altLang="zh-CN" i="0" u="none" dirty="0"/>
+                        <a:t>optional</a:t>
+                      </a:r>
+                      <a:endParaRPr lang="zh-CN" altLang="en-US" i="0" u="none" dirty="0"/>
+                    </a:p>
+                  </a:txBody>
+                  <a:tcPr anchor="ctr">
+                    <a:noFill/>
+                  </a:tcPr>
+                </a:tc>
+                <a:extLst>
+                  <a:ext uri="{0D108BD9-81ED-4DB2-BD59-A6C34878D82A}">
+                    <a16:rowId xmlns:a16="http://schemas.microsoft.com/office/drawing/2014/main" val="718937943"/>
+                  </a:ext>
+                </a:extLst>
+              </a:tr>
+            </a:tbl>
+          </a:graphicData>
+        </a:graphic>
+      </p:graphicFrame>
+    </p:spTree>
+    <p:extLst>
+      <p:ext uri="{BB962C8B-B14F-4D97-AF65-F5344CB8AC3E}">
+        <p14:creationId xmlns:p14="http://schemas.microsoft.com/office/powerpoint/2010/main" val="1163094233"/>
+      </p:ext>
+    </p:extLst>
+  </p:cSld>
+  <p:clrMapOvr>
+    <a:masterClrMapping/>
+  </p:clrMapOvr>
+</p:sld>
+</file>
+
+<file path=ppt/slides/slide7.xml><?xml version="1.0" encoding="utf-8"?>
+<p:sld xmlns:a="http://schemas.openxmlformats.org/drawingml/2006/main" xmlns:r="http://schemas.openxmlformats.org/officeDocument/2006/relationships" xmlns:p="http://schemas.openxmlformats.org/presentationml/2006/main">
+  <p:cSld>
+    <p:spTree>
+      <p:nvGrpSpPr>
+        <p:cNvPr id="1" name=""/>
+        <p:cNvGrpSpPr/>
+        <p:nvPr/>
+      </p:nvGrpSpPr>
+      <p:grpSpPr>
+        <a:xfrm>
+          <a:off x="0" y="0"/>
+          <a:ext cx="0" cy="0"/>
+          <a:chOff x="0" y="0"/>
+          <a:chExt cx="0" cy="0"/>
+        </a:xfrm>
+      </p:grpSpPr>
+      <p:sp>
+        <p:nvSpPr>
+          <p:cNvPr id="2" name="标题 1">
+            <a:extLst>
+              <a:ext uri="{FF2B5EF4-FFF2-40B4-BE49-F238E27FC236}">
+                <a16:creationId xmlns:a16="http://schemas.microsoft.com/office/drawing/2014/main" id="{C06E506E-E6A2-49E2-B655-1DA955D9F787}"/>
+              </a:ext>
+            </a:extLst>
+          </p:cNvPr>
+          <p:cNvSpPr>
+            <a:spLocks noGrp="1"/>
+          </p:cNvSpPr>
+          <p:nvPr>
+            <p:ph type="title"/>
+          </p:nvPr>
         </p:nvSpPr>
         <p:spPr>
           <a:xfrm>
-            <a:off x="6847643" y="2400554"/>
-            <a:ext cx="1371600" cy="369332"/>
+            <a:off x="838200" y="365125"/>
+            <a:ext cx="10515600" cy="1005840"/>
           </a:xfrm>
-          <a:prstGeom prst="rect">
-            <a:avLst/>
-          </a:prstGeom>
-          <a:noFill/>
-          <a:ln w="12700">
-            <a:solidFill>
-              <a:schemeClr val="tx1"/>
-            </a:solidFill>
-          </a:ln>
         </p:spPr>
         <p:txBody>
-          <a:bodyPr wrap="square" rtlCol="0">
-            <a:spAutoFit/>
+          <a:bodyPr>
+            <a:normAutofit/>
           </a:bodyPr>
           <a:lstStyle/>
           <a:p>
-            <a:pPr algn="ctr"/>
-            <a:r>
-              <a:rPr lang="en-US" altLang="zh-CN" dirty="0"/>
-              <a:t>fpha_egf</a:t>
-            </a:r>
-            <a:endParaRPr lang="zh-CN" altLang="en-US" dirty="0"/>
-          </a:p>
-        </p:txBody>
-      </p:sp>
-      <p:sp>
-        <p:nvSpPr>
-          <p:cNvPr id="6" name="文本框 5">
-            <a:extLst>
-              <a:ext uri="{FF2B5EF4-FFF2-40B4-BE49-F238E27FC236}">
-                <a16:creationId xmlns:a16="http://schemas.microsoft.com/office/drawing/2014/main" id="{EA1BC84A-44A6-4AC0-82C5-E8F379235BF3}"/>
-              </a:ext>
-            </a:extLst>
-          </p:cNvPr>
-          <p:cNvSpPr txBox="1"/>
-          <p:nvPr/>
-        </p:nvSpPr>
-        <p:spPr>
-          <a:xfrm>
-            <a:off x="4658558" y="1690688"/>
-            <a:ext cx="1371600" cy="369332"/>
-          </a:xfrm>
-          <a:prstGeom prst="rect">
-            <a:avLst/>
-          </a:prstGeom>
-          <a:noFill/>
-        </p:spPr>
-        <p:txBody>
-          <a:bodyPr wrap="square" rtlCol="0">
-            <a:spAutoFit/>
-          </a:bodyPr>
-          <a:lstStyle/>
-          <a:p>
-            <a:pPr algn="ctr"/>
-            <a:r>
-              <a:rPr lang="en-US" altLang="zh-CN" b="1" i="1" dirty="0">
-                <a:solidFill>
-                  <a:srgbClr val="002060"/>
-                </a:solidFill>
-              </a:rPr>
-              <a:t>Operation</a:t>
-            </a:r>
-            <a:endParaRPr lang="zh-CN" altLang="en-US" b="1" i="1" dirty="0">
-              <a:solidFill>
-                <a:srgbClr val="002060"/>
-              </a:solidFill>
-            </a:endParaRPr>
-          </a:p>
-        </p:txBody>
-      </p:sp>
-      <p:sp>
-        <p:nvSpPr>
-          <p:cNvPr id="7" name="文本框 6">
-            <a:extLst>
-              <a:ext uri="{FF2B5EF4-FFF2-40B4-BE49-F238E27FC236}">
-                <a16:creationId xmlns:a16="http://schemas.microsoft.com/office/drawing/2014/main" id="{DD3EB07C-E08B-47B4-9F9B-C0BB183E1D30}"/>
-              </a:ext>
-            </a:extLst>
-          </p:cNvPr>
-          <p:cNvSpPr txBox="1"/>
-          <p:nvPr/>
-        </p:nvSpPr>
-        <p:spPr>
-          <a:xfrm>
-            <a:off x="6847643" y="1692568"/>
-            <a:ext cx="1371600" cy="369332"/>
-          </a:xfrm>
-          <a:prstGeom prst="rect">
-            <a:avLst/>
-          </a:prstGeom>
-          <a:noFill/>
-        </p:spPr>
-        <p:txBody>
-          <a:bodyPr wrap="square" rtlCol="0">
-            <a:spAutoFit/>
-          </a:bodyPr>
-          <a:lstStyle/>
-          <a:p>
-            <a:pPr algn="ctr"/>
-            <a:r>
-              <a:rPr lang="en-US" altLang="zh-CN" b="1" i="1" dirty="0">
-                <a:solidFill>
-                  <a:srgbClr val="002060"/>
-                </a:solidFill>
-              </a:rPr>
-              <a:t>Output</a:t>
-            </a:r>
-            <a:endParaRPr lang="zh-CN" altLang="en-US" b="1" i="1" dirty="0">
-              <a:solidFill>
-                <a:srgbClr val="002060"/>
-              </a:solidFill>
-            </a:endParaRPr>
-          </a:p>
-        </p:txBody>
-      </p:sp>
-      <p:sp>
-        <p:nvSpPr>
-          <p:cNvPr id="8" name="文本框 7">
-            <a:extLst>
-              <a:ext uri="{FF2B5EF4-FFF2-40B4-BE49-F238E27FC236}">
-                <a16:creationId xmlns:a16="http://schemas.microsoft.com/office/drawing/2014/main" id="{2574173E-F83E-4DC7-B80F-E84DCD2BCEBC}"/>
-              </a:ext>
-            </a:extLst>
-          </p:cNvPr>
-          <p:cNvSpPr txBox="1"/>
-          <p:nvPr/>
-        </p:nvSpPr>
-        <p:spPr>
-          <a:xfrm>
-            <a:off x="2469473" y="1690688"/>
-            <a:ext cx="1371600" cy="369332"/>
-          </a:xfrm>
-          <a:prstGeom prst="rect">
-            <a:avLst/>
-          </a:prstGeom>
-          <a:noFill/>
-        </p:spPr>
-        <p:txBody>
-          <a:bodyPr wrap="square" rtlCol="0">
-            <a:spAutoFit/>
-          </a:bodyPr>
-          <a:lstStyle/>
-          <a:p>
-            <a:pPr algn="ctr"/>
-            <a:r>
-              <a:rPr lang="en-US" altLang="zh-CN" b="1" i="1" dirty="0">
-                <a:solidFill>
-                  <a:srgbClr val="002060"/>
-                </a:solidFill>
-              </a:rPr>
-              <a:t>Input</a:t>
-            </a:r>
-            <a:endParaRPr lang="zh-CN" altLang="en-US" b="1" i="1" dirty="0">
-              <a:solidFill>
-                <a:srgbClr val="002060"/>
-              </a:solidFill>
-            </a:endParaRPr>
-          </a:p>
-        </p:txBody>
-      </p:sp>
-      <p:sp>
-        <p:nvSpPr>
-          <p:cNvPr id="9" name="文本框 8">
-            <a:extLst>
-              <a:ext uri="{FF2B5EF4-FFF2-40B4-BE49-F238E27FC236}">
-                <a16:creationId xmlns:a16="http://schemas.microsoft.com/office/drawing/2014/main" id="{35B14D4E-DFED-4076-8517-A216256DE77A}"/>
-              </a:ext>
-            </a:extLst>
-          </p:cNvPr>
-          <p:cNvSpPr txBox="1"/>
-          <p:nvPr/>
-        </p:nvSpPr>
-        <p:spPr>
-          <a:xfrm>
-            <a:off x="2469473" y="2400554"/>
-            <a:ext cx="1371600" cy="369332"/>
-          </a:xfrm>
-          <a:prstGeom prst="rect">
-            <a:avLst/>
-          </a:prstGeom>
-          <a:noFill/>
-          <a:ln w="12700">
-            <a:solidFill>
-              <a:schemeClr val="tx1"/>
-            </a:solidFill>
-          </a:ln>
-        </p:spPr>
-        <p:txBody>
-          <a:bodyPr wrap="square" rtlCol="0">
-            <a:spAutoFit/>
-          </a:bodyPr>
-          <a:lstStyle/>
-          <a:p>
-            <a:pPr algn="ctr"/>
-            <a:r>
-              <a:rPr lang="en-US" altLang="zh-CN" dirty="0" err="1"/>
-              <a:t>fpha_all</a:t>
-            </a:r>
-            <a:endParaRPr lang="zh-CN" altLang="en-US" dirty="0"/>
-          </a:p>
-        </p:txBody>
-      </p:sp>
+            <a:r>
+              <a:rPr lang="en-US" altLang="zh-CN" sz="4000" b="1" dirty="0"/>
+              <a:t>2.2 Prepare EGF Event Data</a:t>
+            </a:r>
+            <a:endParaRPr lang="zh-CN" altLang="en-US" sz="4000" b="1" dirty="0"/>
+          </a:p>
+        </p:txBody>
+      </p:sp>
+      <p:graphicFrame>
+        <p:nvGraphicFramePr>
+          <p:cNvPr id="20" name="表格 19">
+            <a:extLst>
+              <a:ext uri="{FF2B5EF4-FFF2-40B4-BE49-F238E27FC236}">
+                <a16:creationId xmlns:a16="http://schemas.microsoft.com/office/drawing/2014/main" id="{87BDEDD1-8AD4-43E0-B5D9-A7E011EB29EE}"/>
+              </a:ext>
+            </a:extLst>
+          </p:cNvPr>
+          <p:cNvGraphicFramePr>
+            <a:graphicFrameLocks noGrp="1"/>
+          </p:cNvGraphicFramePr>
+          <p:nvPr>
+            <p:extLst>
+              <p:ext uri="{D42A27DB-BD31-4B8C-83A1-F6EECF244321}">
+                <p14:modId xmlns:p14="http://schemas.microsoft.com/office/powerpoint/2010/main" val="796352023"/>
+              </p:ext>
+            </p:extLst>
+          </p:nvPr>
+        </p:nvGraphicFramePr>
+        <p:xfrm>
+          <a:off x="1432560" y="1600200"/>
+          <a:ext cx="9326880" cy="4389120"/>
+        </p:xfrm>
+        <a:graphic>
+          <a:graphicData uri="http://schemas.openxmlformats.org/drawingml/2006/table">
+            <a:tbl>
+              <a:tblPr firstRow="1" bandRow="1">
+                <a:tableStyleId>{9D7B26C5-4107-4FEC-AEDC-1716B250A1EF}</a:tableStyleId>
+              </a:tblPr>
+              <a:tblGrid>
+                <a:gridCol w="2194560">
+                  <a:extLst>
+                    <a:ext uri="{9D8B030D-6E8A-4147-A177-3AD203B41FA5}">
+                      <a16:colId xmlns:a16="http://schemas.microsoft.com/office/drawing/2014/main" val="4154704583"/>
+                    </a:ext>
+                  </a:extLst>
+                </a:gridCol>
+                <a:gridCol w="2194560">
+                  <a:extLst>
+                    <a:ext uri="{9D8B030D-6E8A-4147-A177-3AD203B41FA5}">
+                      <a16:colId xmlns:a16="http://schemas.microsoft.com/office/drawing/2014/main" val="198924101"/>
+                    </a:ext>
+                  </a:extLst>
+                </a:gridCol>
+                <a:gridCol w="2194560">
+                  <a:extLst>
+                    <a:ext uri="{9D8B030D-6E8A-4147-A177-3AD203B41FA5}">
+                      <a16:colId xmlns:a16="http://schemas.microsoft.com/office/drawing/2014/main" val="608997230"/>
+                    </a:ext>
+                  </a:extLst>
+                </a:gridCol>
+                <a:gridCol w="2743200">
+                  <a:extLst>
+                    <a:ext uri="{9D8B030D-6E8A-4147-A177-3AD203B41FA5}">
+                      <a16:colId xmlns:a16="http://schemas.microsoft.com/office/drawing/2014/main" val="1101456862"/>
+                    </a:ext>
+                  </a:extLst>
+                </a:gridCol>
+              </a:tblGrid>
+              <a:tr h="731520">
+                <a:tc>
+                  <a:txBody>
+                    <a:bodyPr/>
+                    <a:lstStyle/>
+                    <a:p>
+                      <a:pPr algn="ctr"/>
+                      <a:r>
+                        <a:rPr lang="en-US" altLang="zh-CN" sz="2000" dirty="0"/>
+                        <a:t>Input</a:t>
+                      </a:r>
+                      <a:endParaRPr lang="zh-CN" altLang="en-US" sz="2000" dirty="0"/>
+                    </a:p>
+                  </a:txBody>
+                  <a:tcPr anchor="ctr"/>
+                </a:tc>
+                <a:tc>
+                  <a:txBody>
+                    <a:bodyPr/>
+                    <a:lstStyle/>
+                    <a:p>
+                      <a:pPr algn="ctr"/>
+                      <a:r>
+                        <a:rPr lang="en-US" altLang="zh-CN" sz="2000" dirty="0"/>
+                        <a:t>Operation</a:t>
+                      </a:r>
+                      <a:endParaRPr lang="zh-CN" altLang="en-US" sz="2000" dirty="0"/>
+                    </a:p>
+                  </a:txBody>
+                  <a:tcPr anchor="ctr"/>
+                </a:tc>
+                <a:tc>
+                  <a:txBody>
+                    <a:bodyPr/>
+                    <a:lstStyle/>
+                    <a:p>
+                      <a:pPr algn="ctr"/>
+                      <a:r>
+                        <a:rPr lang="en-US" altLang="zh-CN" sz="2000" dirty="0"/>
+                        <a:t>Output</a:t>
+                      </a:r>
+                      <a:endParaRPr lang="zh-CN" altLang="en-US" sz="2000" dirty="0"/>
+                    </a:p>
+                  </a:txBody>
+                  <a:tcPr anchor="ctr"/>
+                </a:tc>
+                <a:tc>
+                  <a:txBody>
+                    <a:bodyPr/>
+                    <a:lstStyle/>
+                    <a:p>
+                      <a:pPr algn="ctr"/>
+                      <a:r>
+                        <a:rPr lang="en-US" altLang="zh-CN" sz="2000" i="1" dirty="0"/>
+                        <a:t>Notes</a:t>
+                      </a:r>
+                      <a:endParaRPr lang="zh-CN" altLang="en-US" sz="2000" i="1" dirty="0"/>
+                    </a:p>
+                  </a:txBody>
+                  <a:tcPr anchor="ctr"/>
+                </a:tc>
+                <a:extLst>
+                  <a:ext uri="{0D108BD9-81ED-4DB2-BD59-A6C34878D82A}">
+                    <a16:rowId xmlns:a16="http://schemas.microsoft.com/office/drawing/2014/main" val="97413968"/>
+                  </a:ext>
+                </a:extLst>
+              </a:tr>
+              <a:tr h="731520">
+                <a:tc>
+                  <a:txBody>
+                    <a:bodyPr/>
+                    <a:lstStyle/>
+                    <a:p>
+                      <a:pPr algn="ctr"/>
+                      <a:r>
+                        <a:rPr lang="en-US" altLang="zh-CN" dirty="0"/>
+                        <a:t>fctlg_all &amp; fsta</a:t>
+                      </a:r>
+                      <a:endParaRPr lang="zh-CN" altLang="en-US" dirty="0"/>
+                    </a:p>
+                  </a:txBody>
+                  <a:tcPr anchor="ctr">
+                    <a:noFill/>
+                  </a:tcPr>
+                </a:tc>
+                <a:tc>
+                  <a:txBody>
+                    <a:bodyPr/>
+                    <a:lstStyle/>
+                    <a:p>
+                      <a:pPr algn="ctr"/>
+                      <a:r>
+                        <a:rPr lang="en-US" altLang="zh-CN" dirty="0"/>
+                        <a:t>select EGF</a:t>
+                      </a:r>
+                      <a:endParaRPr lang="zh-CN" altLang="en-US" dirty="0"/>
+                    </a:p>
+                  </a:txBody>
+                  <a:tcPr anchor="ctr">
+                    <a:noFill/>
+                  </a:tcPr>
+                </a:tc>
+                <a:tc>
+                  <a:txBody>
+                    <a:bodyPr/>
+                    <a:lstStyle/>
+                    <a:p>
+                      <a:pPr algn="ctr"/>
+                      <a:r>
+                        <a:rPr lang="en-US" altLang="zh-CN" dirty="0"/>
+                        <a:t>fpha_egf_org</a:t>
+                      </a:r>
+                      <a:endParaRPr lang="zh-CN" altLang="en-US" dirty="0"/>
+                    </a:p>
+                  </a:txBody>
+                  <a:tcPr anchor="ctr">
+                    <a:noFill/>
+                  </a:tcPr>
+                </a:tc>
+                <a:tc>
+                  <a:txBody>
+                    <a:bodyPr/>
+                    <a:lstStyle/>
+                    <a:p>
+                      <a:pPr algn="ctr"/>
+                      <a:r>
+                        <a:rPr lang="en-US" altLang="zh-CN" dirty="0"/>
+                        <a:t>predicted phase arrival, need manual pick</a:t>
+                      </a:r>
+                      <a:endParaRPr lang="zh-CN" altLang="en-US" dirty="0"/>
+                    </a:p>
+                  </a:txBody>
+                  <a:tcPr anchor="ctr">
+                    <a:noFill/>
+                  </a:tcPr>
+                </a:tc>
+                <a:extLst>
+                  <a:ext uri="{0D108BD9-81ED-4DB2-BD59-A6C34878D82A}">
+                    <a16:rowId xmlns:a16="http://schemas.microsoft.com/office/drawing/2014/main" val="4099626596"/>
+                  </a:ext>
+                </a:extLst>
+              </a:tr>
+              <a:tr h="731520">
+                <a:tc>
+                  <a:txBody>
+                    <a:bodyPr/>
+                    <a:lstStyle/>
+                    <a:p>
+                      <a:pPr algn="ctr"/>
+                      <a:r>
+                        <a:rPr lang="en-US" altLang="zh-CN" dirty="0"/>
+                        <a:t>fpha_egf_org</a:t>
+                      </a:r>
+                      <a:endParaRPr lang="zh-CN" altLang="en-US" dirty="0"/>
+                    </a:p>
+                  </a:txBody>
+                  <a:tcPr anchor="ctr">
+                    <a:noFill/>
+                  </a:tcPr>
+                </a:tc>
+                <a:tc>
+                  <a:txBody>
+                    <a:bodyPr/>
+                    <a:lstStyle/>
+                    <a:p>
+                      <a:pPr algn="ctr"/>
+                      <a:r>
+                        <a:rPr lang="en-US" altLang="zh-CN" dirty="0"/>
+                        <a:t>cut EGF events</a:t>
+                      </a:r>
+                      <a:endParaRPr lang="zh-CN" altLang="en-US" dirty="0"/>
+                    </a:p>
+                  </a:txBody>
+                  <a:tcPr anchor="ctr">
+                    <a:noFill/>
+                  </a:tcPr>
+                </a:tc>
+                <a:tc>
+                  <a:txBody>
+                    <a:bodyPr/>
+                    <a:lstStyle/>
+                    <a:p>
+                      <a:pPr algn="ctr"/>
+                      <a:r>
+                        <a:rPr lang="en-US" altLang="zh-CN" dirty="0"/>
+                        <a:t>events_egf</a:t>
+                      </a:r>
+                      <a:endParaRPr lang="zh-CN" altLang="en-US" dirty="0"/>
+                    </a:p>
+                  </a:txBody>
+                  <a:tcPr anchor="ctr">
+                    <a:noFill/>
+                  </a:tcPr>
+                </a:tc>
+                <a:tc>
+                  <a:txBody>
+                    <a:bodyPr/>
+                    <a:lstStyle/>
+                    <a:p>
+                      <a:pPr algn="ctr"/>
+                      <a:endParaRPr lang="zh-CN" altLang="en-US" dirty="0"/>
+                    </a:p>
+                  </a:txBody>
+                  <a:tcPr anchor="ctr">
+                    <a:noFill/>
+                  </a:tcPr>
+                </a:tc>
+                <a:extLst>
+                  <a:ext uri="{0D108BD9-81ED-4DB2-BD59-A6C34878D82A}">
+                    <a16:rowId xmlns:a16="http://schemas.microsoft.com/office/drawing/2014/main" val="1442740597"/>
+                  </a:ext>
+                </a:extLst>
+              </a:tr>
+              <a:tr h="731520">
+                <a:tc>
+                  <a:txBody>
+                    <a:bodyPr/>
+                    <a:lstStyle/>
+                    <a:p>
+                      <a:pPr algn="ctr"/>
+                      <a:endParaRPr lang="zh-CN" altLang="en-US" dirty="0"/>
+                    </a:p>
+                  </a:txBody>
+                  <a:tcPr anchor="ctr">
+                    <a:noFill/>
+                  </a:tcPr>
+                </a:tc>
+                <a:tc>
+                  <a:txBody>
+                    <a:bodyPr/>
+                    <a:lstStyle/>
+                    <a:p>
+                      <a:pPr algn="ctr"/>
+                      <a:r>
+                        <a:rPr lang="en-US" altLang="zh-CN" dirty="0"/>
+                        <a:t>SAC </a:t>
+                      </a:r>
+                      <a:r>
+                        <a:rPr lang="en-US" altLang="zh-CN" i="1" dirty="0"/>
+                        <a:t>ppk</a:t>
+                      </a:r>
+                    </a:p>
+                    <a:p>
+                      <a:pPr algn="ctr"/>
+                      <a:r>
+                        <a:rPr lang="en-US" altLang="zh-CN" dirty="0"/>
+                        <a:t>P/S/N in t0/1/2</a:t>
+                      </a:r>
+                      <a:endParaRPr lang="zh-CN" altLang="en-US" dirty="0"/>
+                    </a:p>
+                  </a:txBody>
+                  <a:tcPr anchor="ctr">
+                    <a:noFill/>
+                  </a:tcPr>
+                </a:tc>
+                <a:tc>
+                  <a:txBody>
+                    <a:bodyPr/>
+                    <a:lstStyle/>
+                    <a:p>
+                      <a:pPr algn="ctr"/>
+                      <a:r>
+                        <a:rPr lang="en-US" altLang="zh-CN" dirty="0"/>
+                        <a:t>fpha_egf</a:t>
+                      </a:r>
+                      <a:endParaRPr lang="zh-CN" altLang="en-US" dirty="0"/>
+                    </a:p>
+                  </a:txBody>
+                  <a:tcPr anchor="ctr">
+                    <a:noFill/>
+                  </a:tcPr>
+                </a:tc>
+                <a:tc>
+                  <a:txBody>
+                    <a:bodyPr/>
+                    <a:lstStyle/>
+                    <a:p>
+                      <a:pPr algn="ctr"/>
+                      <a:r>
+                        <a:rPr lang="en-US" altLang="zh-CN" dirty="0"/>
+                        <a:t>only use </a:t>
+                      </a:r>
+                      <a:r>
+                        <a:rPr lang="en-US" altLang="zh-CN" i="1" dirty="0"/>
+                        <a:t>wh</a:t>
+                      </a:r>
+                      <a:r>
+                        <a:rPr lang="en-US" altLang="zh-CN" dirty="0"/>
+                        <a:t>!</a:t>
+                      </a:r>
+                      <a:endParaRPr lang="zh-CN" altLang="en-US" dirty="0"/>
+                    </a:p>
+                  </a:txBody>
+                  <a:tcPr anchor="ctr">
+                    <a:noFill/>
+                  </a:tcPr>
+                </a:tc>
+                <a:extLst>
+                  <a:ext uri="{0D108BD9-81ED-4DB2-BD59-A6C34878D82A}">
+                    <a16:rowId xmlns:a16="http://schemas.microsoft.com/office/drawing/2014/main" val="1091411228"/>
+                  </a:ext>
+                </a:extLst>
+              </a:tr>
+              <a:tr h="731520">
+                <a:tc>
+                  <a:txBody>
+                    <a:bodyPr/>
+                    <a:lstStyle/>
+                    <a:p>
+                      <a:pPr algn="ctr"/>
+                      <a:r>
+                        <a:rPr lang="en-US" altLang="zh-CN" dirty="0"/>
+                        <a:t>fpha_egf</a:t>
+                      </a:r>
+                      <a:endParaRPr lang="zh-CN" altLang="en-US" dirty="0"/>
+                    </a:p>
+                  </a:txBody>
+                  <a:tcPr anchor="ctr">
+                    <a:noFill/>
+                  </a:tcPr>
+                </a:tc>
+                <a:tc>
+                  <a:txBody>
+                    <a:bodyPr/>
+                    <a:lstStyle/>
+                    <a:p>
+                      <a:pPr algn="ctr"/>
+                      <a:r>
+                        <a:rPr lang="en-US" altLang="zh-CN" dirty="0"/>
+                        <a:t>cut EGF events</a:t>
+                      </a:r>
+                      <a:endParaRPr lang="zh-CN" altLang="en-US" dirty="0"/>
+                    </a:p>
+                  </a:txBody>
+                  <a:tcPr anchor="ctr">
+                    <a:noFill/>
+                  </a:tcPr>
+                </a:tc>
+                <a:tc>
+                  <a:txBody>
+                    <a:bodyPr/>
+                    <a:lstStyle/>
+                    <a:p>
+                      <a:pPr algn="ctr"/>
+                      <a:r>
+                        <a:rPr lang="en-US" altLang="zh-CN" dirty="0"/>
+                        <a:t>events_egf</a:t>
+                      </a:r>
+                    </a:p>
+                  </a:txBody>
+                  <a:tcPr anchor="ctr">
+                    <a:noFill/>
+                  </a:tcPr>
+                </a:tc>
+                <a:tc>
+                  <a:txBody>
+                    <a:bodyPr/>
+                    <a:lstStyle/>
+                    <a:p>
+                      <a:pPr algn="ctr"/>
+                      <a:r>
+                        <a:rPr lang="en-US" altLang="zh-CN" dirty="0"/>
+                        <a:t>optional</a:t>
+                      </a:r>
+                      <a:endParaRPr lang="zh-CN" altLang="en-US" dirty="0"/>
+                    </a:p>
+                  </a:txBody>
+                  <a:tcPr anchor="ctr">
+                    <a:noFill/>
+                  </a:tcPr>
+                </a:tc>
+                <a:extLst>
+                  <a:ext uri="{0D108BD9-81ED-4DB2-BD59-A6C34878D82A}">
+                    <a16:rowId xmlns:a16="http://schemas.microsoft.com/office/drawing/2014/main" val="371219499"/>
+                  </a:ext>
+                </a:extLst>
+              </a:tr>
+              <a:tr h="731520">
+                <a:tc>
+                  <a:txBody>
+                    <a:bodyPr/>
+                    <a:lstStyle/>
+                    <a:p>
+                      <a:pPr algn="ctr"/>
+                      <a:r>
+                        <a:rPr lang="en-US" altLang="zh-CN" dirty="0"/>
+                        <a:t>events_tar</a:t>
+                      </a:r>
+                    </a:p>
+                    <a:p>
+                      <a:pPr algn="ctr"/>
+                      <a:r>
+                        <a:rPr lang="en-US" altLang="zh-CN" dirty="0"/>
+                        <a:t>&amp; events_egf</a:t>
+                      </a:r>
+                      <a:endParaRPr lang="zh-CN" altLang="en-US" dirty="0"/>
+                    </a:p>
+                  </a:txBody>
+                  <a:tcPr anchor="ctr">
+                    <a:noFill/>
+                  </a:tcPr>
+                </a:tc>
+                <a:tc>
+                  <a:txBody>
+                    <a:bodyPr/>
+                    <a:lstStyle/>
+                    <a:p>
+                      <a:pPr algn="ctr"/>
+                      <a:r>
+                        <a:rPr lang="en-US" altLang="zh-CN" dirty="0"/>
+                        <a:t>CC selection of EGF</a:t>
+                      </a:r>
+                      <a:endParaRPr lang="zh-CN" altLang="en-US" dirty="0"/>
+                    </a:p>
+                  </a:txBody>
+                  <a:tcPr anchor="ctr">
+                    <a:noFill/>
+                  </a:tcPr>
+                </a:tc>
+                <a:tc>
+                  <a:txBody>
+                    <a:bodyPr/>
+                    <a:lstStyle/>
+                    <a:p>
+                      <a:pPr algn="ctr"/>
+                      <a:r>
+                        <a:rPr lang="en-US" altLang="zh-CN" dirty="0"/>
+                        <a:t>egf_cc.pdf</a:t>
+                      </a:r>
+                      <a:endParaRPr lang="zh-CN" altLang="en-US" dirty="0"/>
+                    </a:p>
+                  </a:txBody>
+                  <a:tcPr anchor="ctr">
+                    <a:noFill/>
+                  </a:tcPr>
+                </a:tc>
+                <a:tc>
+                  <a:txBody>
+                    <a:bodyPr/>
+                    <a:lstStyle/>
+                    <a:p>
+                      <a:pPr algn="ctr"/>
+                      <a:r>
+                        <a:rPr lang="en-US" altLang="zh-CN" dirty="0"/>
+                        <a:t>only for PLD</a:t>
+                      </a:r>
+                      <a:endParaRPr lang="zh-CN" altLang="en-US" dirty="0"/>
+                    </a:p>
+                  </a:txBody>
+                  <a:tcPr anchor="ctr">
+                    <a:noFill/>
+                  </a:tcPr>
+                </a:tc>
+                <a:extLst>
+                  <a:ext uri="{0D108BD9-81ED-4DB2-BD59-A6C34878D82A}">
+                    <a16:rowId xmlns:a16="http://schemas.microsoft.com/office/drawing/2014/main" val="3331793338"/>
+                  </a:ext>
+                </a:extLst>
+              </a:tr>
+            </a:tbl>
+          </a:graphicData>
+        </a:graphic>
+      </p:graphicFrame>
     </p:spTree>
     <p:extLst>
       <p:ext uri="{BB962C8B-B14F-4D97-AF65-F5344CB8AC3E}">
         <p14:creationId xmlns:p14="http://schemas.microsoft.com/office/powerpoint/2010/main" val="3613073310"/>
+      </p:ext>
+    </p:extLst>
+  </p:cSld>
+  <p:clrMapOvr>
+    <a:masterClrMapping/>
+  </p:clrMapOvr>
+</p:sld>
+</file>
+
+<file path=ppt/slides/slide8.xml><?xml version="1.0" encoding="utf-8"?>
+<p:sld xmlns:a="http://schemas.openxmlformats.org/drawingml/2006/main" xmlns:r="http://schemas.openxmlformats.org/officeDocument/2006/relationships" xmlns:p="http://schemas.openxmlformats.org/presentationml/2006/main">
+  <p:cSld>
+    <p:spTree>
+      <p:nvGrpSpPr>
+        <p:cNvPr id="1" name=""/>
+        <p:cNvGrpSpPr/>
+        <p:nvPr/>
+      </p:nvGrpSpPr>
+      <p:grpSpPr>
+        <a:xfrm>
+          <a:off x="0" y="0"/>
+          <a:ext cx="0" cy="0"/>
+          <a:chOff x="0" y="0"/>
+          <a:chExt cx="0" cy="0"/>
+        </a:xfrm>
+      </p:grpSpPr>
+      <p:sp>
+        <p:nvSpPr>
+          <p:cNvPr id="2" name="标题 1">
+            <a:extLst>
+              <a:ext uri="{FF2B5EF4-FFF2-40B4-BE49-F238E27FC236}">
+                <a16:creationId xmlns:a16="http://schemas.microsoft.com/office/drawing/2014/main" id="{A1AE4152-9C44-4D3E-99ED-B2CD18D06D89}"/>
+              </a:ext>
+            </a:extLst>
+          </p:cNvPr>
+          <p:cNvSpPr>
+            <a:spLocks noGrp="1"/>
+          </p:cNvSpPr>
+          <p:nvPr>
+            <p:ph type="title"/>
+          </p:nvPr>
+        </p:nvSpPr>
+        <p:spPr/>
+        <p:txBody>
+          <a:bodyPr/>
+          <a:lstStyle/>
+          <a:p>
+            <a:r>
+              <a:rPr lang="en-US" altLang="zh-CN" dirty="0"/>
+              <a:t>2.3 </a:t>
+            </a:r>
+            <a:endParaRPr lang="zh-CN" altLang="en-US" dirty="0"/>
+          </a:p>
+        </p:txBody>
+      </p:sp>
+      <p:sp>
+        <p:nvSpPr>
+          <p:cNvPr id="3" name="内容占位符 2">
+            <a:extLst>
+              <a:ext uri="{FF2B5EF4-FFF2-40B4-BE49-F238E27FC236}">
+                <a16:creationId xmlns:a16="http://schemas.microsoft.com/office/drawing/2014/main" id="{4F748F1F-C352-415C-AA3D-039E1598C799}"/>
+              </a:ext>
+            </a:extLst>
+          </p:cNvPr>
+          <p:cNvSpPr>
+            <a:spLocks noGrp="1"/>
+          </p:cNvSpPr>
+          <p:nvPr>
+            <p:ph idx="1"/>
+          </p:nvPr>
+        </p:nvSpPr>
+        <p:spPr/>
+        <p:txBody>
+          <a:bodyPr/>
+          <a:lstStyle/>
+          <a:p>
+            <a:endParaRPr lang="zh-CN" altLang="en-US" dirty="0"/>
+          </a:p>
+        </p:txBody>
+      </p:sp>
+    </p:spTree>
+    <p:extLst>
+      <p:ext uri="{BB962C8B-B14F-4D97-AF65-F5344CB8AC3E}">
+        <p14:creationId xmlns:p14="http://schemas.microsoft.com/office/powerpoint/2010/main" val="2517461176"/>
       </p:ext>
     </p:extLst>
   </p:cSld>

--- a/doc/MAH_Workflow.pptx
+++ b/doc/MAH_Workflow.pptx
@@ -3482,8 +3482,8 @@
           <a:lstStyle/>
           <a:p>
             <a:r>
-              <a:rPr lang="en-US" altLang="zh-CN" b="1" dirty="0"/>
-              <a:t>Separated Functions</a:t>
+              <a:rPr lang="en-US" altLang="zh-CN" b="1"/>
+              <a:t>Outline</a:t>
             </a:r>
             <a:endParaRPr lang="zh-CN" altLang="en-US" b="1" dirty="0"/>
           </a:p>

--- a/doc/MAH_Workflow.pptx
+++ b/doc/MAH_Workflow.pptx
@@ -290,7 +290,7 @@
           <a:p>
             <a:fld id="{7C275A87-D1C9-4904-A5A7-45DF72189DF1}" type="datetimeFigureOut">
               <a:rPr lang="zh-CN" altLang="en-US" smtClean="0"/>
-              <a:t>2022/1/29</a:t>
+              <a:t>2022/1/30</a:t>
             </a:fld>
             <a:endParaRPr lang="zh-CN" altLang="en-US"/>
           </a:p>
@@ -488,7 +488,7 @@
           <a:p>
             <a:fld id="{7C275A87-D1C9-4904-A5A7-45DF72189DF1}" type="datetimeFigureOut">
               <a:rPr lang="zh-CN" altLang="en-US" smtClean="0"/>
-              <a:t>2022/1/29</a:t>
+              <a:t>2022/1/30</a:t>
             </a:fld>
             <a:endParaRPr lang="zh-CN" altLang="en-US"/>
           </a:p>
@@ -696,7 +696,7 @@
           <a:p>
             <a:fld id="{7C275A87-D1C9-4904-A5A7-45DF72189DF1}" type="datetimeFigureOut">
               <a:rPr lang="zh-CN" altLang="en-US" smtClean="0"/>
-              <a:t>2022/1/29</a:t>
+              <a:t>2022/1/30</a:t>
             </a:fld>
             <a:endParaRPr lang="zh-CN" altLang="en-US"/>
           </a:p>
@@ -894,7 +894,7 @@
           <a:p>
             <a:fld id="{7C275A87-D1C9-4904-A5A7-45DF72189DF1}" type="datetimeFigureOut">
               <a:rPr lang="zh-CN" altLang="en-US" smtClean="0"/>
-              <a:t>2022/1/29</a:t>
+              <a:t>2022/1/30</a:t>
             </a:fld>
             <a:endParaRPr lang="zh-CN" altLang="en-US"/>
           </a:p>
@@ -1169,7 +1169,7 @@
           <a:p>
             <a:fld id="{7C275A87-D1C9-4904-A5A7-45DF72189DF1}" type="datetimeFigureOut">
               <a:rPr lang="zh-CN" altLang="en-US" smtClean="0"/>
-              <a:t>2022/1/29</a:t>
+              <a:t>2022/1/30</a:t>
             </a:fld>
             <a:endParaRPr lang="zh-CN" altLang="en-US"/>
           </a:p>
@@ -1434,7 +1434,7 @@
           <a:p>
             <a:fld id="{7C275A87-D1C9-4904-A5A7-45DF72189DF1}" type="datetimeFigureOut">
               <a:rPr lang="zh-CN" altLang="en-US" smtClean="0"/>
-              <a:t>2022/1/29</a:t>
+              <a:t>2022/1/30</a:t>
             </a:fld>
             <a:endParaRPr lang="zh-CN" altLang="en-US"/>
           </a:p>
@@ -1846,7 +1846,7 @@
           <a:p>
             <a:fld id="{7C275A87-D1C9-4904-A5A7-45DF72189DF1}" type="datetimeFigureOut">
               <a:rPr lang="zh-CN" altLang="en-US" smtClean="0"/>
-              <a:t>2022/1/29</a:t>
+              <a:t>2022/1/30</a:t>
             </a:fld>
             <a:endParaRPr lang="zh-CN" altLang="en-US"/>
           </a:p>
@@ -1987,7 +1987,7 @@
           <a:p>
             <a:fld id="{7C275A87-D1C9-4904-A5A7-45DF72189DF1}" type="datetimeFigureOut">
               <a:rPr lang="zh-CN" altLang="en-US" smtClean="0"/>
-              <a:t>2022/1/29</a:t>
+              <a:t>2022/1/30</a:t>
             </a:fld>
             <a:endParaRPr lang="zh-CN" altLang="en-US"/>
           </a:p>
@@ -2100,7 +2100,7 @@
           <a:p>
             <a:fld id="{7C275A87-D1C9-4904-A5A7-45DF72189DF1}" type="datetimeFigureOut">
               <a:rPr lang="zh-CN" altLang="en-US" smtClean="0"/>
-              <a:t>2022/1/29</a:t>
+              <a:t>2022/1/30</a:t>
             </a:fld>
             <a:endParaRPr lang="zh-CN" altLang="en-US"/>
           </a:p>
@@ -2411,7 +2411,7 @@
           <a:p>
             <a:fld id="{7C275A87-D1C9-4904-A5A7-45DF72189DF1}" type="datetimeFigureOut">
               <a:rPr lang="zh-CN" altLang="en-US" smtClean="0"/>
-              <a:t>2022/1/29</a:t>
+              <a:t>2022/1/30</a:t>
             </a:fld>
             <a:endParaRPr lang="zh-CN" altLang="en-US"/>
           </a:p>
@@ -2699,7 +2699,7 @@
           <a:p>
             <a:fld id="{7C275A87-D1C9-4904-A5A7-45DF72189DF1}" type="datetimeFigureOut">
               <a:rPr lang="zh-CN" altLang="en-US" smtClean="0"/>
-              <a:t>2022/1/29</a:t>
+              <a:t>2022/1/30</a:t>
             </a:fld>
             <a:endParaRPr lang="zh-CN" altLang="en-US"/>
           </a:p>
@@ -2940,7 +2940,7 @@
           <a:p>
             <a:fld id="{7C275A87-D1C9-4904-A5A7-45DF72189DF1}" type="datetimeFigureOut">
               <a:rPr lang="zh-CN" altLang="en-US" smtClean="0"/>
-              <a:t>2022/1/29</a:t>
+              <a:t>2022/1/30</a:t>
             </a:fld>
             <a:endParaRPr lang="zh-CN" altLang="en-US"/>
           </a:p>
@@ -5081,14 +5081,14 @@
           <p:nvPr>
             <p:extLst>
               <p:ext uri="{D42A27DB-BD31-4B8C-83A1-F6EECF244321}">
-                <p14:modId xmlns:p14="http://schemas.microsoft.com/office/powerpoint/2010/main" val="796352023"/>
+                <p14:modId xmlns:p14="http://schemas.microsoft.com/office/powerpoint/2010/main" val="1676531326"/>
               </p:ext>
             </p:extLst>
           </p:nvPr>
         </p:nvGraphicFramePr>
         <p:xfrm>
-          <a:off x="1432560" y="1600200"/>
-          <a:ext cx="9326880" cy="4389120"/>
+          <a:off x="1432560" y="1372235"/>
+          <a:ext cx="9326880" cy="5120640"/>
         </p:xfrm>
         <a:graphic>
           <a:graphicData uri="http://schemas.openxmlformats.org/drawingml/2006/table">
@@ -5265,6 +5265,97 @@
                 <a:extLst>
                   <a:ext uri="{0D108BD9-81ED-4DB2-BD59-A6C34878D82A}">
                     <a16:rowId xmlns:a16="http://schemas.microsoft.com/office/drawing/2014/main" val="4099626596"/>
+                  </a:ext>
+                </a:extLst>
+              </a:tr>
+              <a:tr h="731520">
+                <a:tc>
+                  <a:txBody>
+                    <a:bodyPr/>
+                    <a:lstStyle/>
+                    <a:p>
+                      <a:pPr marL="0" marR="0" lvl="0" indent="0" algn="ctr" defTabSz="914400" rtl="0" eaLnBrk="1" fontAlgn="auto" latinLnBrk="0" hangingPunct="1">
+                        <a:lnSpc>
+                          <a:spcPct val="100000"/>
+                        </a:lnSpc>
+                        <a:spcBef>
+                          <a:spcPts val="0"/>
+                        </a:spcBef>
+                        <a:spcAft>
+                          <a:spcPts val="0"/>
+                        </a:spcAft>
+                        <a:buClrTx/>
+                        <a:buSzTx/>
+                        <a:buFontTx/>
+                        <a:buNone/>
+                        <a:tabLst/>
+                        <a:defRPr/>
+                      </a:pPr>
+                      <a:r>
+                        <a:rPr lang="en-US" altLang="zh-CN" dirty="0"/>
+                        <a:t>fpha_egf_org</a:t>
+                      </a:r>
+                      <a:endParaRPr lang="zh-CN" altLang="en-US" dirty="0"/>
+                    </a:p>
+                  </a:txBody>
+                  <a:tcPr anchor="ctr">
+                    <a:noFill/>
+                  </a:tcPr>
+                </a:tc>
+                <a:tc>
+                  <a:txBody>
+                    <a:bodyPr/>
+                    <a:lstStyle/>
+                    <a:p>
+                      <a:pPr algn="ctr"/>
+                      <a:r>
+                        <a:rPr lang="en-US" altLang="zh-CN" i="1" dirty="0"/>
+                        <a:t>plot_waveform-events.py</a:t>
+                      </a:r>
+                      <a:endParaRPr lang="zh-CN" altLang="en-US" i="1" dirty="0"/>
+                    </a:p>
+                  </a:txBody>
+                  <a:tcPr anchor="ctr">
+                    <a:noFill/>
+                  </a:tcPr>
+                </a:tc>
+                <a:tc>
+                  <a:txBody>
+                    <a:bodyPr/>
+                    <a:lstStyle/>
+                    <a:p>
+                      <a:pPr algn="ctr"/>
+                      <a:r>
+                        <a:rPr lang="en-US" altLang="zh-CN" dirty="0"/>
+                        <a:t>event_name.pdf</a:t>
+                      </a:r>
+                      <a:endParaRPr lang="zh-CN" altLang="en-US" dirty="0"/>
+                    </a:p>
+                  </a:txBody>
+                  <a:tcPr anchor="ctr">
+                    <a:noFill/>
+                  </a:tcPr>
+                </a:tc>
+                <a:tc>
+                  <a:txBody>
+                    <a:bodyPr/>
+                    <a:lstStyle/>
+                    <a:p>
+                      <a:pPr algn="ctr"/>
+                      <a:r>
+                        <a:rPr lang="en-US" altLang="zh-CN" dirty="0"/>
+                        <a:t>check overall SNR of each candidate EGF</a:t>
+                      </a:r>
+                      <a:endParaRPr lang="zh-CN" altLang="en-US" dirty="0"/>
+                    </a:p>
+                  </a:txBody>
+                  <a:tcPr anchor="ctr">
+                    <a:noFill/>
+                  </a:tcPr>
+                </a:tc>
+                <a:extLst>
+                  <a:ext uri="{0D108BD9-81ED-4DB2-BD59-A6C34878D82A}">
+                    <a16:rowId xmlns:a16="http://schemas.microsoft.com/office/drawing/2014/main" val="2066180962"/>
                   </a:ext>
                 </a:extLst>
               </a:tr>

--- a/doc/MAH_Workflow.pptx
+++ b/doc/MAH_Workflow.pptx
@@ -4,6 +4,9 @@
   <p:sldMasterIdLst>
     <p:sldMasterId id="2147483648" r:id="rId1"/>
   </p:sldMasterIdLst>
+  <p:notesMasterIdLst>
+    <p:notesMasterId r:id="rId12"/>
+  </p:notesMasterIdLst>
   <p:sldIdLst>
     <p:sldId id="256" r:id="rId2"/>
     <p:sldId id="260" r:id="rId3"/>
@@ -12,7 +15,9 @@
     <p:sldId id="258" r:id="rId6"/>
     <p:sldId id="261" r:id="rId7"/>
     <p:sldId id="259" r:id="rId8"/>
-    <p:sldId id="262" r:id="rId9"/>
+    <p:sldId id="265" r:id="rId9"/>
+    <p:sldId id="264" r:id="rId10"/>
+    <p:sldId id="262" r:id="rId11"/>
   </p:sldIdLst>
   <p:sldSz cx="12192000" cy="6858000"/>
   <p:notesSz cx="6858000" cy="9144000"/>
@@ -131,6 +136,8 @@
             <p14:sldId id="258"/>
             <p14:sldId id="261"/>
             <p14:sldId id="259"/>
+            <p14:sldId id="265"/>
+            <p14:sldId id="264"/>
             <p14:sldId id="262"/>
           </p14:sldIdLst>
         </p14:section>
@@ -141,6 +148,443 @@
     </p:ext>
   </p:extLst>
 </p:presentation>
+</file>
+
+<file path=ppt/notesMasters/notesMaster1.xml><?xml version="1.0" encoding="utf-8"?>
+<p:notesMaster xmlns:a="http://schemas.openxmlformats.org/drawingml/2006/main" xmlns:r="http://schemas.openxmlformats.org/officeDocument/2006/relationships" xmlns:p="http://schemas.openxmlformats.org/presentationml/2006/main">
+  <p:cSld>
+    <p:bg>
+      <p:bgRef idx="1001">
+        <a:schemeClr val="bg1"/>
+      </p:bgRef>
+    </p:bg>
+    <p:spTree>
+      <p:nvGrpSpPr>
+        <p:cNvPr id="1" name=""/>
+        <p:cNvGrpSpPr/>
+        <p:nvPr/>
+      </p:nvGrpSpPr>
+      <p:grpSpPr>
+        <a:xfrm>
+          <a:off x="0" y="0"/>
+          <a:ext cx="0" cy="0"/>
+          <a:chOff x="0" y="0"/>
+          <a:chExt cx="0" cy="0"/>
+        </a:xfrm>
+      </p:grpSpPr>
+      <p:sp>
+        <p:nvSpPr>
+          <p:cNvPr id="2" name="页眉占位符 1"/>
+          <p:cNvSpPr>
+            <a:spLocks noGrp="1"/>
+          </p:cNvSpPr>
+          <p:nvPr>
+            <p:ph type="hdr" sz="quarter"/>
+          </p:nvPr>
+        </p:nvSpPr>
+        <p:spPr>
+          <a:xfrm>
+            <a:off x="0" y="0"/>
+            <a:ext cx="2971800" cy="458788"/>
+          </a:xfrm>
+          <a:prstGeom prst="rect">
+            <a:avLst/>
+          </a:prstGeom>
+        </p:spPr>
+        <p:txBody>
+          <a:bodyPr vert="horz" lIns="91440" tIns="45720" rIns="91440" bIns="45720" rtlCol="0"/>
+          <a:lstStyle>
+            <a:lvl1pPr algn="l">
+              <a:defRPr sz="1200"/>
+            </a:lvl1pPr>
+          </a:lstStyle>
+          <a:p>
+            <a:endParaRPr lang="zh-CN" altLang="en-US"/>
+          </a:p>
+        </p:txBody>
+      </p:sp>
+      <p:sp>
+        <p:nvSpPr>
+          <p:cNvPr id="3" name="日期占位符 2"/>
+          <p:cNvSpPr>
+            <a:spLocks noGrp="1"/>
+          </p:cNvSpPr>
+          <p:nvPr>
+            <p:ph type="dt" idx="1"/>
+          </p:nvPr>
+        </p:nvSpPr>
+        <p:spPr>
+          <a:xfrm>
+            <a:off x="3884613" y="0"/>
+            <a:ext cx="2971800" cy="458788"/>
+          </a:xfrm>
+          <a:prstGeom prst="rect">
+            <a:avLst/>
+          </a:prstGeom>
+        </p:spPr>
+        <p:txBody>
+          <a:bodyPr vert="horz" lIns="91440" tIns="45720" rIns="91440" bIns="45720" rtlCol="0"/>
+          <a:lstStyle>
+            <a:lvl1pPr algn="r">
+              <a:defRPr sz="1200"/>
+            </a:lvl1pPr>
+          </a:lstStyle>
+          <a:p>
+            <a:fld id="{075A3FFD-6C55-4E6E-B5FF-223AE803762C}" type="datetimeFigureOut">
+              <a:rPr lang="zh-CN" altLang="en-US" smtClean="0"/>
+              <a:t>2022/1/30</a:t>
+            </a:fld>
+            <a:endParaRPr lang="zh-CN" altLang="en-US"/>
+          </a:p>
+        </p:txBody>
+      </p:sp>
+      <p:sp>
+        <p:nvSpPr>
+          <p:cNvPr id="4" name="幻灯片图像占位符 3"/>
+          <p:cNvSpPr>
+            <a:spLocks noGrp="1" noRot="1" noChangeAspect="1"/>
+          </p:cNvSpPr>
+          <p:nvPr>
+            <p:ph type="sldImg" idx="2"/>
+          </p:nvPr>
+        </p:nvSpPr>
+        <p:spPr>
+          <a:xfrm>
+            <a:off x="685800" y="1143000"/>
+            <a:ext cx="5486400" cy="3086100"/>
+          </a:xfrm>
+          <a:prstGeom prst="rect">
+            <a:avLst/>
+          </a:prstGeom>
+          <a:noFill/>
+          <a:ln w="12700">
+            <a:solidFill>
+              <a:prstClr val="black"/>
+            </a:solidFill>
+          </a:ln>
+        </p:spPr>
+        <p:txBody>
+          <a:bodyPr vert="horz" lIns="91440" tIns="45720" rIns="91440" bIns="45720" rtlCol="0" anchor="ctr"/>
+          <a:lstStyle/>
+          <a:p>
+            <a:endParaRPr lang="zh-CN" altLang="en-US"/>
+          </a:p>
+        </p:txBody>
+      </p:sp>
+      <p:sp>
+        <p:nvSpPr>
+          <p:cNvPr id="5" name="备注占位符 4"/>
+          <p:cNvSpPr>
+            <a:spLocks noGrp="1"/>
+          </p:cNvSpPr>
+          <p:nvPr>
+            <p:ph type="body" sz="quarter" idx="3"/>
+          </p:nvPr>
+        </p:nvSpPr>
+        <p:spPr>
+          <a:xfrm>
+            <a:off x="685800" y="4400550"/>
+            <a:ext cx="5486400" cy="3600450"/>
+          </a:xfrm>
+          <a:prstGeom prst="rect">
+            <a:avLst/>
+          </a:prstGeom>
+        </p:spPr>
+        <p:txBody>
+          <a:bodyPr vert="horz" lIns="91440" tIns="45720" rIns="91440" bIns="45720" rtlCol="0"/>
+          <a:lstStyle/>
+          <a:p>
+            <a:pPr lvl="0"/>
+            <a:r>
+              <a:rPr lang="zh-CN" altLang="en-US"/>
+              <a:t>编辑母版文本样式</a:t>
+            </a:r>
+          </a:p>
+          <a:p>
+            <a:pPr lvl="1"/>
+            <a:r>
+              <a:rPr lang="zh-CN" altLang="en-US"/>
+              <a:t>第二级</a:t>
+            </a:r>
+          </a:p>
+          <a:p>
+            <a:pPr lvl="2"/>
+            <a:r>
+              <a:rPr lang="zh-CN" altLang="en-US"/>
+              <a:t>第三级</a:t>
+            </a:r>
+          </a:p>
+          <a:p>
+            <a:pPr lvl="3"/>
+            <a:r>
+              <a:rPr lang="zh-CN" altLang="en-US"/>
+              <a:t>第四级</a:t>
+            </a:r>
+          </a:p>
+          <a:p>
+            <a:pPr lvl="4"/>
+            <a:r>
+              <a:rPr lang="zh-CN" altLang="en-US"/>
+              <a:t>第五级</a:t>
+            </a:r>
+          </a:p>
+        </p:txBody>
+      </p:sp>
+      <p:sp>
+        <p:nvSpPr>
+          <p:cNvPr id="6" name="页脚占位符 5"/>
+          <p:cNvSpPr>
+            <a:spLocks noGrp="1"/>
+          </p:cNvSpPr>
+          <p:nvPr>
+            <p:ph type="ftr" sz="quarter" idx="4"/>
+          </p:nvPr>
+        </p:nvSpPr>
+        <p:spPr>
+          <a:xfrm>
+            <a:off x="0" y="8685213"/>
+            <a:ext cx="2971800" cy="458787"/>
+          </a:xfrm>
+          <a:prstGeom prst="rect">
+            <a:avLst/>
+          </a:prstGeom>
+        </p:spPr>
+        <p:txBody>
+          <a:bodyPr vert="horz" lIns="91440" tIns="45720" rIns="91440" bIns="45720" rtlCol="0" anchor="b"/>
+          <a:lstStyle>
+            <a:lvl1pPr algn="l">
+              <a:defRPr sz="1200"/>
+            </a:lvl1pPr>
+          </a:lstStyle>
+          <a:p>
+            <a:endParaRPr lang="zh-CN" altLang="en-US"/>
+          </a:p>
+        </p:txBody>
+      </p:sp>
+      <p:sp>
+        <p:nvSpPr>
+          <p:cNvPr id="7" name="灯片编号占位符 6"/>
+          <p:cNvSpPr>
+            <a:spLocks noGrp="1"/>
+          </p:cNvSpPr>
+          <p:nvPr>
+            <p:ph type="sldNum" sz="quarter" idx="5"/>
+          </p:nvPr>
+        </p:nvSpPr>
+        <p:spPr>
+          <a:xfrm>
+            <a:off x="3884613" y="8685213"/>
+            <a:ext cx="2971800" cy="458787"/>
+          </a:xfrm>
+          <a:prstGeom prst="rect">
+            <a:avLst/>
+          </a:prstGeom>
+        </p:spPr>
+        <p:txBody>
+          <a:bodyPr vert="horz" lIns="91440" tIns="45720" rIns="91440" bIns="45720" rtlCol="0" anchor="b"/>
+          <a:lstStyle>
+            <a:lvl1pPr algn="r">
+              <a:defRPr sz="1200"/>
+            </a:lvl1pPr>
+          </a:lstStyle>
+          <a:p>
+            <a:fld id="{B0DDF436-F802-40F1-A039-67CBE557CCAC}" type="slidenum">
+              <a:rPr lang="zh-CN" altLang="en-US" smtClean="0"/>
+              <a:t>‹#›</a:t>
+            </a:fld>
+            <a:endParaRPr lang="zh-CN" altLang="en-US"/>
+          </a:p>
+        </p:txBody>
+      </p:sp>
+    </p:spTree>
+    <p:extLst>
+      <p:ext uri="{BB962C8B-B14F-4D97-AF65-F5344CB8AC3E}">
+        <p14:creationId xmlns:p14="http://schemas.microsoft.com/office/powerpoint/2010/main" val="888406780"/>
+      </p:ext>
+    </p:extLst>
+  </p:cSld>
+  <p:clrMap bg1="lt1" tx1="dk1" bg2="lt2" tx2="dk2" accent1="accent1" accent2="accent2" accent3="accent3" accent4="accent4" accent5="accent5" accent6="accent6" hlink="hlink" folHlink="folHlink"/>
+  <p:notesStyle>
+    <a:lvl1pPr marL="0" algn="l" defTabSz="914400" rtl="0" eaLnBrk="1" latinLnBrk="0" hangingPunct="1">
+      <a:defRPr sz="1200" kern="1200">
+        <a:solidFill>
+          <a:schemeClr val="tx1"/>
+        </a:solidFill>
+        <a:latin typeface="+mn-lt"/>
+        <a:ea typeface="+mn-ea"/>
+        <a:cs typeface="+mn-cs"/>
+      </a:defRPr>
+    </a:lvl1pPr>
+    <a:lvl2pPr marL="457200" algn="l" defTabSz="914400" rtl="0" eaLnBrk="1" latinLnBrk="0" hangingPunct="1">
+      <a:defRPr sz="1200" kern="1200">
+        <a:solidFill>
+          <a:schemeClr val="tx1"/>
+        </a:solidFill>
+        <a:latin typeface="+mn-lt"/>
+        <a:ea typeface="+mn-ea"/>
+        <a:cs typeface="+mn-cs"/>
+      </a:defRPr>
+    </a:lvl2pPr>
+    <a:lvl3pPr marL="914400" algn="l" defTabSz="914400" rtl="0" eaLnBrk="1" latinLnBrk="0" hangingPunct="1">
+      <a:defRPr sz="1200" kern="1200">
+        <a:solidFill>
+          <a:schemeClr val="tx1"/>
+        </a:solidFill>
+        <a:latin typeface="+mn-lt"/>
+        <a:ea typeface="+mn-ea"/>
+        <a:cs typeface="+mn-cs"/>
+      </a:defRPr>
+    </a:lvl3pPr>
+    <a:lvl4pPr marL="1371600" algn="l" defTabSz="914400" rtl="0" eaLnBrk="1" latinLnBrk="0" hangingPunct="1">
+      <a:defRPr sz="1200" kern="1200">
+        <a:solidFill>
+          <a:schemeClr val="tx1"/>
+        </a:solidFill>
+        <a:latin typeface="+mn-lt"/>
+        <a:ea typeface="+mn-ea"/>
+        <a:cs typeface="+mn-cs"/>
+      </a:defRPr>
+    </a:lvl4pPr>
+    <a:lvl5pPr marL="1828800" algn="l" defTabSz="914400" rtl="0" eaLnBrk="1" latinLnBrk="0" hangingPunct="1">
+      <a:defRPr sz="1200" kern="1200">
+        <a:solidFill>
+          <a:schemeClr val="tx1"/>
+        </a:solidFill>
+        <a:latin typeface="+mn-lt"/>
+        <a:ea typeface="+mn-ea"/>
+        <a:cs typeface="+mn-cs"/>
+      </a:defRPr>
+    </a:lvl5pPr>
+    <a:lvl6pPr marL="2286000" algn="l" defTabSz="914400" rtl="0" eaLnBrk="1" latinLnBrk="0" hangingPunct="1">
+      <a:defRPr sz="1200" kern="1200">
+        <a:solidFill>
+          <a:schemeClr val="tx1"/>
+        </a:solidFill>
+        <a:latin typeface="+mn-lt"/>
+        <a:ea typeface="+mn-ea"/>
+        <a:cs typeface="+mn-cs"/>
+      </a:defRPr>
+    </a:lvl6pPr>
+    <a:lvl7pPr marL="2743200" algn="l" defTabSz="914400" rtl="0" eaLnBrk="1" latinLnBrk="0" hangingPunct="1">
+      <a:defRPr sz="1200" kern="1200">
+        <a:solidFill>
+          <a:schemeClr val="tx1"/>
+        </a:solidFill>
+        <a:latin typeface="+mn-lt"/>
+        <a:ea typeface="+mn-ea"/>
+        <a:cs typeface="+mn-cs"/>
+      </a:defRPr>
+    </a:lvl7pPr>
+    <a:lvl8pPr marL="3200400" algn="l" defTabSz="914400" rtl="0" eaLnBrk="1" latinLnBrk="0" hangingPunct="1">
+      <a:defRPr sz="1200" kern="1200">
+        <a:solidFill>
+          <a:schemeClr val="tx1"/>
+        </a:solidFill>
+        <a:latin typeface="+mn-lt"/>
+        <a:ea typeface="+mn-ea"/>
+        <a:cs typeface="+mn-cs"/>
+      </a:defRPr>
+    </a:lvl8pPr>
+    <a:lvl9pPr marL="3657600" algn="l" defTabSz="914400" rtl="0" eaLnBrk="1" latinLnBrk="0" hangingPunct="1">
+      <a:defRPr sz="1200" kern="1200">
+        <a:solidFill>
+          <a:schemeClr val="tx1"/>
+        </a:solidFill>
+        <a:latin typeface="+mn-lt"/>
+        <a:ea typeface="+mn-ea"/>
+        <a:cs typeface="+mn-cs"/>
+      </a:defRPr>
+    </a:lvl9pPr>
+  </p:notesStyle>
+</p:notesMaster>
+</file>
+
+<file path=ppt/notesSlides/notesSlide1.xml><?xml version="1.0" encoding="utf-8"?>
+<p:notes xmlns:a="http://schemas.openxmlformats.org/drawingml/2006/main" xmlns:r="http://schemas.openxmlformats.org/officeDocument/2006/relationships" xmlns:p="http://schemas.openxmlformats.org/presentationml/2006/main">
+  <p:cSld>
+    <p:spTree>
+      <p:nvGrpSpPr>
+        <p:cNvPr id="1" name=""/>
+        <p:cNvGrpSpPr/>
+        <p:nvPr/>
+      </p:nvGrpSpPr>
+      <p:grpSpPr>
+        <a:xfrm>
+          <a:off x="0" y="0"/>
+          <a:ext cx="0" cy="0"/>
+          <a:chOff x="0" y="0"/>
+          <a:chExt cx="0" cy="0"/>
+        </a:xfrm>
+      </p:grpSpPr>
+      <p:sp>
+        <p:nvSpPr>
+          <p:cNvPr id="2" name="幻灯片图像占位符 1"/>
+          <p:cNvSpPr>
+            <a:spLocks noGrp="1" noRot="1" noChangeAspect="1"/>
+          </p:cNvSpPr>
+          <p:nvPr>
+            <p:ph type="sldImg"/>
+          </p:nvPr>
+        </p:nvSpPr>
+        <p:spPr/>
+      </p:sp>
+      <p:sp>
+        <p:nvSpPr>
+          <p:cNvPr id="3" name="备注占位符 2"/>
+          <p:cNvSpPr>
+            <a:spLocks noGrp="1"/>
+          </p:cNvSpPr>
+          <p:nvPr>
+            <p:ph type="body" idx="1"/>
+          </p:nvPr>
+        </p:nvSpPr>
+        <p:spPr/>
+        <p:txBody>
+          <a:bodyPr/>
+          <a:lstStyle/>
+          <a:p>
+            <a:r>
+              <a:rPr lang="en-US" altLang="zh-CN" dirty="0"/>
+              <a:t>i.e., manual picking process</a:t>
+            </a:r>
+            <a:endParaRPr lang="zh-CN" altLang="en-US" dirty="0"/>
+          </a:p>
+        </p:txBody>
+      </p:sp>
+      <p:sp>
+        <p:nvSpPr>
+          <p:cNvPr id="4" name="灯片编号占位符 3"/>
+          <p:cNvSpPr>
+            <a:spLocks noGrp="1"/>
+          </p:cNvSpPr>
+          <p:nvPr>
+            <p:ph type="sldNum" sz="quarter" idx="5"/>
+          </p:nvPr>
+        </p:nvSpPr>
+        <p:spPr/>
+        <p:txBody>
+          <a:bodyPr/>
+          <a:lstStyle/>
+          <a:p>
+            <a:fld id="{B0DDF436-F802-40F1-A039-67CBE557CCAC}" type="slidenum">
+              <a:rPr lang="zh-CN" altLang="en-US" smtClean="0"/>
+              <a:t>6</a:t>
+            </a:fld>
+            <a:endParaRPr lang="zh-CN" altLang="en-US"/>
+          </a:p>
+        </p:txBody>
+      </p:sp>
+    </p:spTree>
+    <p:extLst>
+      <p:ext uri="{BB962C8B-B14F-4D97-AF65-F5344CB8AC3E}">
+        <p14:creationId xmlns:p14="http://schemas.microsoft.com/office/powerpoint/2010/main" val="3590955419"/>
+      </p:ext>
+    </p:extLst>
+  </p:cSld>
+  <p:clrMapOvr>
+    <a:masterClrMapping/>
+  </p:clrMapOvr>
+</p:notes>
 </file>
 
 <file path=ppt/slideLayouts/slideLayout1.xml><?xml version="1.0" encoding="utf-8"?>
@@ -3443,6 +3887,90 @@
 </p:sld>
 </file>
 
+<file path=ppt/slides/slide10.xml><?xml version="1.0" encoding="utf-8"?>
+<p:sld xmlns:a="http://schemas.openxmlformats.org/drawingml/2006/main" xmlns:r="http://schemas.openxmlformats.org/officeDocument/2006/relationships" xmlns:p="http://schemas.openxmlformats.org/presentationml/2006/main">
+  <p:cSld>
+    <p:spTree>
+      <p:nvGrpSpPr>
+        <p:cNvPr id="1" name=""/>
+        <p:cNvGrpSpPr/>
+        <p:nvPr/>
+      </p:nvGrpSpPr>
+      <p:grpSpPr>
+        <a:xfrm>
+          <a:off x="0" y="0"/>
+          <a:ext cx="0" cy="0"/>
+          <a:chOff x="0" y="0"/>
+          <a:chExt cx="0" cy="0"/>
+        </a:xfrm>
+      </p:grpSpPr>
+      <p:sp>
+        <p:nvSpPr>
+          <p:cNvPr id="2" name="标题 1">
+            <a:extLst>
+              <a:ext uri="{FF2B5EF4-FFF2-40B4-BE49-F238E27FC236}">
+                <a16:creationId xmlns:a16="http://schemas.microsoft.com/office/drawing/2014/main" id="{A1AE4152-9C44-4D3E-99ED-B2CD18D06D89}"/>
+              </a:ext>
+            </a:extLst>
+          </p:cNvPr>
+          <p:cNvSpPr>
+            <a:spLocks noGrp="1"/>
+          </p:cNvSpPr>
+          <p:nvPr>
+            <p:ph type="title"/>
+          </p:nvPr>
+        </p:nvSpPr>
+        <p:spPr/>
+        <p:txBody>
+          <a:bodyPr/>
+          <a:lstStyle/>
+          <a:p>
+            <a:r>
+              <a:rPr lang="en-US" altLang="zh-CN" dirty="0"/>
+              <a:t>2.3 </a:t>
+            </a:r>
+            <a:endParaRPr lang="zh-CN" altLang="en-US" dirty="0"/>
+          </a:p>
+        </p:txBody>
+      </p:sp>
+      <p:sp>
+        <p:nvSpPr>
+          <p:cNvPr id="3" name="内容占位符 2">
+            <a:extLst>
+              <a:ext uri="{FF2B5EF4-FFF2-40B4-BE49-F238E27FC236}">
+                <a16:creationId xmlns:a16="http://schemas.microsoft.com/office/drawing/2014/main" id="{4F748F1F-C352-415C-AA3D-039E1598C799}"/>
+              </a:ext>
+            </a:extLst>
+          </p:cNvPr>
+          <p:cNvSpPr>
+            <a:spLocks noGrp="1"/>
+          </p:cNvSpPr>
+          <p:nvPr>
+            <p:ph idx="1"/>
+          </p:nvPr>
+        </p:nvSpPr>
+        <p:spPr/>
+        <p:txBody>
+          <a:bodyPr/>
+          <a:lstStyle/>
+          <a:p>
+            <a:endParaRPr lang="zh-CN" altLang="en-US" dirty="0"/>
+          </a:p>
+        </p:txBody>
+      </p:sp>
+    </p:spTree>
+    <p:extLst>
+      <p:ext uri="{BB962C8B-B14F-4D97-AF65-F5344CB8AC3E}">
+        <p14:creationId xmlns:p14="http://schemas.microsoft.com/office/powerpoint/2010/main" val="2517461176"/>
+      </p:ext>
+    </p:extLst>
+  </p:cSld>
+  <p:clrMapOvr>
+    <a:masterClrMapping/>
+  </p:clrMapOvr>
+</p:sld>
+</file>
+
 <file path=ppt/slides/slide2.xml><?xml version="1.0" encoding="utf-8"?>
 <p:sld xmlns:a="http://schemas.openxmlformats.org/drawingml/2006/main" xmlns:r="http://schemas.openxmlformats.org/officeDocument/2006/relationships" xmlns:p="http://schemas.openxmlformats.org/presentationml/2006/main">
   <p:cSld>
@@ -4408,6 +4936,17 @@
             </a:r>
           </a:p>
           <a:p>
+            <a:pPr lvl="1"/>
+            <a:r>
+              <a:rPr lang="en-US" altLang="zh-CN" dirty="0" err="1"/>
+              <a:t>data_dir</a:t>
+            </a:r>
+            <a:r>
+              <a:rPr lang="en-US" altLang="zh-CN" dirty="0"/>
+              <a:t>: directory of continuous data</a:t>
+            </a:r>
+          </a:p>
+          <a:p>
             <a:r>
               <a:rPr lang="en-US" altLang="zh-CN" dirty="0"/>
               <a:t>Output</a:t>
@@ -4500,14 +5039,14 @@
           <p:nvPr>
             <p:extLst>
               <p:ext uri="{D42A27DB-BD31-4B8C-83A1-F6EECF244321}">
-                <p14:modId xmlns:p14="http://schemas.microsoft.com/office/powerpoint/2010/main" val="290177136"/>
+                <p14:modId xmlns:p14="http://schemas.microsoft.com/office/powerpoint/2010/main" val="4105644616"/>
               </p:ext>
             </p:extLst>
           </p:nvPr>
         </p:nvGraphicFramePr>
         <p:xfrm>
-          <a:off x="1432560" y="1600200"/>
-          <a:ext cx="9326880" cy="4389120"/>
+          <a:off x="1295400" y="1697854"/>
+          <a:ext cx="9601200" cy="4389120"/>
         </p:xfrm>
         <a:graphic>
           <a:graphicData uri="http://schemas.openxmlformats.org/drawingml/2006/table">
@@ -4516,28 +5055,35 @@
                 <a:tableStyleId>{9D7B26C5-4107-4FEC-AEDC-1716B250A1EF}</a:tableStyleId>
               </a:tblPr>
               <a:tblGrid>
-                <a:gridCol w="2194560">
+                <a:gridCol w="1828800">
                   <a:extLst>
                     <a:ext uri="{9D8B030D-6E8A-4147-A177-3AD203B41FA5}">
                       <a16:colId xmlns:a16="http://schemas.microsoft.com/office/drawing/2014/main" val="4154704583"/>
                     </a:ext>
                   </a:extLst>
                 </a:gridCol>
-                <a:gridCol w="2194560">
+                <a:gridCol w="1828800">
                   <a:extLst>
                     <a:ext uri="{9D8B030D-6E8A-4147-A177-3AD203B41FA5}">
                       <a16:colId xmlns:a16="http://schemas.microsoft.com/office/drawing/2014/main" val="198924101"/>
                     </a:ext>
                   </a:extLst>
                 </a:gridCol>
-                <a:gridCol w="2194560">
+                <a:gridCol w="1828800">
+                  <a:extLst>
+                    <a:ext uri="{9D8B030D-6E8A-4147-A177-3AD203B41FA5}">
+                      <a16:colId xmlns:a16="http://schemas.microsoft.com/office/drawing/2014/main" val="1418919800"/>
+                    </a:ext>
+                  </a:extLst>
+                </a:gridCol>
+                <a:gridCol w="1828800">
                   <a:extLst>
                     <a:ext uri="{9D8B030D-6E8A-4147-A177-3AD203B41FA5}">
                       <a16:colId xmlns:a16="http://schemas.microsoft.com/office/drawing/2014/main" val="608997230"/>
                     </a:ext>
                   </a:extLst>
                 </a:gridCol>
-                <a:gridCol w="2743200">
+                <a:gridCol w="2286000">
                   <a:extLst>
                     <a:ext uri="{9D8B030D-6E8A-4147-A177-3AD203B41FA5}">
                       <a16:colId xmlns:a16="http://schemas.microsoft.com/office/drawing/2014/main" val="1101456862"/>
@@ -4584,6 +5130,21 @@
                       <a:pPr algn="ctr"/>
                       <a:r>
                         <a:rPr lang="en-US" altLang="zh-CN" sz="2000" dirty="0"/>
+                        <a:t>Command</a:t>
+                      </a:r>
+                      <a:endParaRPr lang="zh-CN" altLang="en-US" sz="2000" dirty="0"/>
+                    </a:p>
+                  </a:txBody>
+                  <a:tcPr anchor="ctr"/>
+                </a:tc>
+                <a:tc>
+                  <a:txBody>
+                    <a:bodyPr/>
+                    <a:lstStyle/>
+                    <a:p>
+                      <a:pPr algn="ctr"/>
+                      <a:r>
+                        <a:rPr lang="en-US" altLang="zh-CN" sz="2000" dirty="0"/>
                         <a:t>Output</a:t>
                       </a:r>
                       <a:endParaRPr lang="zh-CN" altLang="en-US" sz="2000" dirty="0"/>
@@ -4637,6 +5198,39 @@
                     <a:p>
                       <a:pPr algn="ctr"/>
                       <a:r>
+                        <a:rPr lang="en-US" altLang="zh-CN" i="0" dirty="0"/>
+                        <a:t>make phase file</a:t>
+                      </a:r>
+                      <a:endParaRPr lang="zh-CN" altLang="en-US" i="0" dirty="0"/>
+                    </a:p>
+                  </a:txBody>
+                  <a:tcPr anchor="ctr">
+                    <a:noFill/>
+                  </a:tcPr>
+                </a:tc>
+                <a:tc>
+                  <a:txBody>
+                    <a:bodyPr/>
+                    <a:lstStyle/>
+                    <a:p>
+                      <a:pPr marL="0" marR="0" lvl="0" indent="0" algn="ctr" defTabSz="914400" rtl="0" eaLnBrk="1" fontAlgn="auto" latinLnBrk="0" hangingPunct="1">
+                        <a:lnSpc>
+                          <a:spcPct val="100000"/>
+                        </a:lnSpc>
+                        <a:spcBef>
+                          <a:spcPts val="0"/>
+                        </a:spcBef>
+                        <a:spcAft>
+                          <a:spcPts val="0"/>
+                        </a:spcAft>
+                        <a:buClrTx/>
+                        <a:buSzTx/>
+                        <a:buFontTx/>
+                        <a:buNone/>
+                        <a:tabLst/>
+                        <a:defRPr/>
+                      </a:pPr>
+                      <a:r>
                         <a:rPr lang="en-US" altLang="zh-CN" i="1" dirty="0"/>
                         <a:t>ctlg2pha.py</a:t>
                       </a:r>
@@ -4671,10 +5265,10 @@
                     <a:p>
                       <a:pPr algn="ctr"/>
                       <a:r>
-                        <a:rPr lang="en-US" altLang="zh-CN" dirty="0"/>
-                        <a:t>predicted phase arrival, need manual pick</a:t>
-                      </a:r>
-                      <a:endParaRPr lang="zh-CN" altLang="en-US" dirty="0"/>
+                        <a:rPr lang="en-US" altLang="zh-CN" sz="1600" dirty="0"/>
+                        <a:t>predicted phase arrival, need manual re-pick</a:t>
+                      </a:r>
+                      <a:endParaRPr lang="zh-CN" altLang="en-US" sz="1600" dirty="0"/>
                     </a:p>
                   </a:txBody>
                   <a:tcPr anchor="ctr">
@@ -4727,6 +5321,39 @@
                     <a:bodyPr/>
                     <a:lstStyle/>
                     <a:p>
+                      <a:pPr marL="0" marR="0" lvl="0" indent="0" algn="ctr" defTabSz="914400" rtl="0" eaLnBrk="1" fontAlgn="auto" latinLnBrk="0" hangingPunct="1">
+                        <a:lnSpc>
+                          <a:spcPct val="100000"/>
+                        </a:lnSpc>
+                        <a:spcBef>
+                          <a:spcPts val="0"/>
+                        </a:spcBef>
+                        <a:spcAft>
+                          <a:spcPts val="0"/>
+                        </a:spcAft>
+                        <a:buClrTx/>
+                        <a:buSzTx/>
+                        <a:buFontTx/>
+                        <a:buNone/>
+                        <a:tabLst/>
+                        <a:defRPr/>
+                      </a:pPr>
+                      <a:r>
+                        <a:rPr lang="en-US" altLang="zh-CN" i="1" dirty="0"/>
+                        <a:t>cut_events.py</a:t>
+                      </a:r>
+                      <a:endParaRPr lang="zh-CN" altLang="en-US" i="1" dirty="0"/>
+                    </a:p>
+                  </a:txBody>
+                  <a:tcPr anchor="ctr">
+                    <a:noFill/>
+                  </a:tcPr>
+                </a:tc>
+                <a:tc>
+                  <a:txBody>
+                    <a:bodyPr/>
+                    <a:lstStyle/>
+                    <a:p>
                       <a:pPr algn="ctr"/>
                       <a:r>
                         <a:rPr lang="en-US" altLang="zh-CN" dirty="0"/>
@@ -4744,7 +5371,7 @@
                     <a:lstStyle/>
                     <a:p>
                       <a:pPr algn="ctr"/>
-                      <a:endParaRPr lang="zh-CN" altLang="en-US" dirty="0"/>
+                      <a:endParaRPr lang="zh-CN" altLang="en-US" sz="1600" dirty="0"/>
                     </a:p>
                   </a:txBody>
                   <a:tcPr anchor="ctr">
@@ -4786,13 +5413,37 @@
                         <a:t>ppk</a:t>
                       </a:r>
                     </a:p>
-                    <a:p>
-                      <a:pPr algn="ctr"/>
-                      <a:r>
-                        <a:rPr lang="en-US" altLang="zh-CN" dirty="0"/>
-                        <a:t>P/S/N in t0/1/2</a:t>
-                      </a:r>
-                      <a:endParaRPr lang="zh-CN" altLang="en-US" dirty="0"/>
+                  </a:txBody>
+                  <a:tcPr anchor="ctr">
+                    <a:noFill/>
+                  </a:tcPr>
+                </a:tc>
+                <a:tc>
+                  <a:txBody>
+                    <a:bodyPr/>
+                    <a:lstStyle/>
+                    <a:p>
+                      <a:pPr marL="0" marR="0" lvl="0" indent="0" algn="ctr" defTabSz="914400" rtl="0" eaLnBrk="1" fontAlgn="auto" latinLnBrk="0" hangingPunct="1">
+                        <a:lnSpc>
+                          <a:spcPct val="100000"/>
+                        </a:lnSpc>
+                        <a:spcBef>
+                          <a:spcPts val="0"/>
+                        </a:spcBef>
+                        <a:spcAft>
+                          <a:spcPts val="0"/>
+                        </a:spcAft>
+                        <a:buClrTx/>
+                        <a:buSzTx/>
+                        <a:buFontTx/>
+                        <a:buNone/>
+                        <a:tabLst/>
+                        <a:defRPr/>
+                      </a:pPr>
+                      <a:r>
+                        <a:rPr lang="en-US" altLang="zh-CN" i="1" dirty="0"/>
+                        <a:t>head2pha.py</a:t>
+                      </a:r>
                     </a:p>
                   </a:txBody>
                   <a:tcPr anchor="ctr">
@@ -4821,20 +5472,40 @@
                     <a:bodyPr/>
                     <a:lstStyle/>
                     <a:p>
-                      <a:pPr algn="ctr"/>
-                      <a:r>
-                        <a:rPr lang="en-US" altLang="zh-CN" dirty="0"/>
+                      <a:pPr marL="0" marR="0" lvl="0" indent="0" algn="ctr" defTabSz="914400" rtl="0" eaLnBrk="1" fontAlgn="auto" latinLnBrk="0" hangingPunct="1">
+                        <a:lnSpc>
+                          <a:spcPct val="100000"/>
+                        </a:lnSpc>
+                        <a:spcBef>
+                          <a:spcPts val="0"/>
+                        </a:spcBef>
+                        <a:spcAft>
+                          <a:spcPts val="0"/>
+                        </a:spcAft>
+                        <a:buClrTx/>
+                        <a:buSzTx/>
+                        <a:buFontTx/>
+                        <a:buNone/>
+                        <a:tabLst/>
+                        <a:defRPr/>
+                      </a:pPr>
+                      <a:r>
+                        <a:rPr lang="en-US" altLang="zh-CN" sz="1600" dirty="0"/>
+                        <a:t>mark P/S/N in t0/1/2,</a:t>
+                      </a:r>
+                      <a:endParaRPr lang="zh-CN" altLang="en-US" sz="1600" dirty="0"/>
+                    </a:p>
+                    <a:p>
+                      <a:pPr algn="ctr"/>
+                      <a:r>
+                        <a:rPr lang="en-US" altLang="zh-CN" sz="1600" dirty="0"/>
                         <a:t>only use </a:t>
                       </a:r>
                       <a:r>
-                        <a:rPr lang="en-US" altLang="zh-CN" i="1" dirty="0"/>
+                        <a:rPr lang="en-US" altLang="zh-CN" sz="1600" i="1" dirty="0"/>
                         <a:t>wh</a:t>
                       </a:r>
-                      <a:r>
-                        <a:rPr lang="en-US" altLang="zh-CN" dirty="0"/>
-                        <a:t>!</a:t>
-                      </a:r>
-                      <a:endParaRPr lang="zh-CN" altLang="en-US" dirty="0"/>
+                      <a:endParaRPr lang="zh-CN" altLang="en-US" sz="1600" dirty="0"/>
                     </a:p>
                   </a:txBody>
                   <a:tcPr anchor="ctr">
@@ -4887,6 +5558,39 @@
                     <a:bodyPr/>
                     <a:lstStyle/>
                     <a:p>
+                      <a:pPr marL="0" marR="0" lvl="0" indent="0" algn="ctr" defTabSz="914400" rtl="0" eaLnBrk="1" fontAlgn="auto" latinLnBrk="0" hangingPunct="1">
+                        <a:lnSpc>
+                          <a:spcPct val="100000"/>
+                        </a:lnSpc>
+                        <a:spcBef>
+                          <a:spcPts val="0"/>
+                        </a:spcBef>
+                        <a:spcAft>
+                          <a:spcPts val="0"/>
+                        </a:spcAft>
+                        <a:buClrTx/>
+                        <a:buSzTx/>
+                        <a:buFontTx/>
+                        <a:buNone/>
+                        <a:tabLst/>
+                        <a:defRPr/>
+                      </a:pPr>
+                      <a:r>
+                        <a:rPr lang="en-US" altLang="zh-CN" i="1" dirty="0"/>
+                        <a:t>cut_events.py</a:t>
+                      </a:r>
+                      <a:endParaRPr lang="zh-CN" altLang="en-US" i="1" dirty="0"/>
+                    </a:p>
+                  </a:txBody>
+                  <a:tcPr anchor="ctr">
+                    <a:noFill/>
+                  </a:tcPr>
+                </a:tc>
+                <a:tc>
+                  <a:txBody>
+                    <a:bodyPr/>
+                    <a:lstStyle/>
+                    <a:p>
                       <a:pPr algn="ctr"/>
                       <a:r>
                         <a:rPr lang="en-US" altLang="zh-CN" dirty="0"/>
@@ -4905,10 +5609,10 @@
                     <a:p>
                       <a:pPr algn="ctr"/>
                       <a:r>
-                        <a:rPr lang="en-US" altLang="zh-CN" dirty="0"/>
+                        <a:rPr lang="en-US" altLang="zh-CN" sz="1600" dirty="0"/>
                         <a:t>optional</a:t>
                       </a:r>
-                      <a:endParaRPr lang="zh-CN" altLang="en-US" dirty="0"/>
+                      <a:endParaRPr lang="zh-CN" altLang="en-US" sz="1600" dirty="0"/>
                     </a:p>
                   </a:txBody>
                   <a:tcPr anchor="ctr">
@@ -4962,6 +5666,19 @@
                     <a:lstStyle/>
                     <a:p>
                       <a:pPr algn="ctr"/>
+                      <a:endParaRPr lang="zh-CN" altLang="en-US" dirty="0"/>
+                    </a:p>
+                  </a:txBody>
+                  <a:tcPr anchor="ctr">
+                    <a:noFill/>
+                  </a:tcPr>
+                </a:tc>
+                <a:tc>
+                  <a:txBody>
+                    <a:bodyPr/>
+                    <a:lstStyle/>
+                    <a:p>
+                      <a:pPr algn="ctr"/>
                       <a:r>
                         <a:rPr lang="en-US" altLang="zh-CN" dirty="0"/>
                         <a:t>fpha_tar_hyp</a:t>
@@ -4980,10 +5697,10 @@
                     <a:p>
                       <a:pPr algn="ctr"/>
                       <a:r>
-                        <a:rPr lang="en-US" altLang="zh-CN" i="0" u="none" dirty="0"/>
+                        <a:rPr lang="en-US" altLang="zh-CN" sz="1600" i="0" u="none" dirty="0"/>
                         <a:t>optional</a:t>
                       </a:r>
-                      <a:endParaRPr lang="zh-CN" altLang="en-US" i="0" u="none" dirty="0"/>
+                      <a:endParaRPr lang="zh-CN" altLang="en-US" sz="1600" i="0" u="none" dirty="0"/>
                     </a:p>
                   </a:txBody>
                   <a:tcPr anchor="ctr">
@@ -5081,14 +5798,14 @@
           <p:nvPr>
             <p:extLst>
               <p:ext uri="{D42A27DB-BD31-4B8C-83A1-F6EECF244321}">
-                <p14:modId xmlns:p14="http://schemas.microsoft.com/office/powerpoint/2010/main" val="1676531326"/>
+                <p14:modId xmlns:p14="http://schemas.microsoft.com/office/powerpoint/2010/main" val="2186207976"/>
               </p:ext>
             </p:extLst>
           </p:nvPr>
         </p:nvGraphicFramePr>
         <p:xfrm>
-          <a:off x="1432560" y="1372235"/>
-          <a:ext cx="9326880" cy="5120640"/>
+          <a:off x="1295400" y="1619539"/>
+          <a:ext cx="9601200" cy="4480560"/>
         </p:xfrm>
         <a:graphic>
           <a:graphicData uri="http://schemas.openxmlformats.org/drawingml/2006/table">
@@ -5097,28 +5814,35 @@
                 <a:tableStyleId>{9D7B26C5-4107-4FEC-AEDC-1716B250A1EF}</a:tableStyleId>
               </a:tblPr>
               <a:tblGrid>
-                <a:gridCol w="2194560">
+                <a:gridCol w="1828800">
                   <a:extLst>
                     <a:ext uri="{9D8B030D-6E8A-4147-A177-3AD203B41FA5}">
                       <a16:colId xmlns:a16="http://schemas.microsoft.com/office/drawing/2014/main" val="4154704583"/>
                     </a:ext>
                   </a:extLst>
                 </a:gridCol>
-                <a:gridCol w="2194560">
+                <a:gridCol w="1828800">
                   <a:extLst>
                     <a:ext uri="{9D8B030D-6E8A-4147-A177-3AD203B41FA5}">
                       <a16:colId xmlns:a16="http://schemas.microsoft.com/office/drawing/2014/main" val="198924101"/>
                     </a:ext>
                   </a:extLst>
                 </a:gridCol>
-                <a:gridCol w="2194560">
+                <a:gridCol w="1828800">
+                  <a:extLst>
+                    <a:ext uri="{9D8B030D-6E8A-4147-A177-3AD203B41FA5}">
+                      <a16:colId xmlns:a16="http://schemas.microsoft.com/office/drawing/2014/main" val="2924711101"/>
+                    </a:ext>
+                  </a:extLst>
+                </a:gridCol>
+                <a:gridCol w="1828800">
                   <a:extLst>
                     <a:ext uri="{9D8B030D-6E8A-4147-A177-3AD203B41FA5}">
                       <a16:colId xmlns:a16="http://schemas.microsoft.com/office/drawing/2014/main" val="608997230"/>
                     </a:ext>
                   </a:extLst>
                 </a:gridCol>
-                <a:gridCol w="2743200">
+                <a:gridCol w="2286000">
                   <a:extLst>
                     <a:ext uri="{9D8B030D-6E8A-4147-A177-3AD203B41FA5}">
                       <a16:colId xmlns:a16="http://schemas.microsoft.com/office/drawing/2014/main" val="1101456862"/>
@@ -5126,7 +5850,7 @@
                   </a:extLst>
                 </a:gridCol>
               </a:tblGrid>
-              <a:tr h="731520">
+              <a:tr h="640080">
                 <a:tc>
                   <a:txBody>
                     <a:bodyPr/>
@@ -5151,6 +5875,21 @@
                       <a:r>
                         <a:rPr lang="en-US" altLang="zh-CN" sz="2000" dirty="0"/>
                         <a:t>Operation</a:t>
+                      </a:r>
+                      <a:endParaRPr lang="zh-CN" altLang="en-US" sz="2000" dirty="0"/>
+                    </a:p>
+                  </a:txBody>
+                  <a:tcPr anchor="ctr"/>
+                </a:tc>
+                <a:tc>
+                  <a:txBody>
+                    <a:bodyPr/>
+                    <a:lstStyle/>
+                    <a:p>
+                      <a:pPr algn="ctr"/>
+                      <a:r>
+                        <a:rPr lang="en-US" altLang="zh-CN" sz="2000" dirty="0"/>
+                        <a:t>Command</a:t>
                       </a:r>
                       <a:endParaRPr lang="zh-CN" altLang="en-US" sz="2000" dirty="0"/>
                     </a:p>
@@ -5193,7 +5932,7 @@
                   </a:ext>
                 </a:extLst>
               </a:tr>
-              <a:tr h="731520">
+              <a:tr h="640080">
                 <a:tc>
                   <a:txBody>
                     <a:bodyPr/>
@@ -5221,7 +5960,24 @@
                         <a:rPr lang="en-US" altLang="zh-CN" dirty="0"/>
                         <a:t>select EGF</a:t>
                       </a:r>
-                      <a:endParaRPr lang="zh-CN" altLang="en-US" dirty="0"/>
+                      <a:endParaRPr lang="zh-CN" altLang="en-US" i="1" dirty="0"/>
+                    </a:p>
+                  </a:txBody>
+                  <a:tcPr anchor="ctr">
+                    <a:noFill/>
+                  </a:tcPr>
+                </a:tc>
+                <a:tc>
+                  <a:txBody>
+                    <a:bodyPr/>
+                    <a:lstStyle/>
+                    <a:p>
+                      <a:pPr algn="ctr"/>
+                      <a:r>
+                        <a:rPr lang="en-US" altLang="zh-CN" i="1" dirty="0"/>
+                        <a:t>select_egf-phase.py</a:t>
+                      </a:r>
+                      <a:endParaRPr lang="zh-CN" altLang="en-US" i="1" dirty="0"/>
                     </a:p>
                   </a:txBody>
                   <a:tcPr anchor="ctr">
@@ -5252,10 +6008,10 @@
                     <a:p>
                       <a:pPr algn="ctr"/>
                       <a:r>
-                        <a:rPr lang="en-US" altLang="zh-CN" dirty="0"/>
+                        <a:rPr lang="en-US" altLang="zh-CN" sz="1600" dirty="0"/>
                         <a:t>predicted phase arrival, need manual pick</a:t>
                       </a:r>
-                      <a:endParaRPr lang="zh-CN" altLang="en-US" dirty="0"/>
+                      <a:endParaRPr lang="zh-CN" altLang="en-US" sz="1600" dirty="0"/>
                     </a:p>
                   </a:txBody>
                   <a:tcPr anchor="ctr">
@@ -5268,7 +6024,7 @@
                   </a:ext>
                 </a:extLst>
               </a:tr>
-              <a:tr h="731520">
+              <a:tr h="640080">
                 <a:tc>
                   <a:txBody>
                     <a:bodyPr/>
@@ -5309,6 +6065,23 @@
                     <a:p>
                       <a:pPr algn="ctr"/>
                       <a:r>
+                        <a:rPr lang="en-US" altLang="zh-CN" i="0" dirty="0"/>
+                        <a:t>inspect event waveform</a:t>
+                      </a:r>
+                      <a:endParaRPr lang="zh-CN" altLang="en-US" i="0" dirty="0"/>
+                    </a:p>
+                  </a:txBody>
+                  <a:tcPr anchor="ctr">
+                    <a:noFill/>
+                  </a:tcPr>
+                </a:tc>
+                <a:tc>
+                  <a:txBody>
+                    <a:bodyPr/>
+                    <a:lstStyle/>
+                    <a:p>
+                      <a:pPr algn="ctr"/>
+                      <a:r>
                         <a:rPr lang="en-US" altLang="zh-CN" i="1" dirty="0"/>
                         <a:t>plot_waveform-events.py</a:t>
                       </a:r>
@@ -5343,10 +6116,10 @@
                     <a:p>
                       <a:pPr algn="ctr"/>
                       <a:r>
-                        <a:rPr lang="en-US" altLang="zh-CN" dirty="0"/>
+                        <a:rPr lang="en-US" altLang="zh-CN" sz="1600" dirty="0"/>
                         <a:t>check overall SNR of each candidate EGF</a:t>
                       </a:r>
-                      <a:endParaRPr lang="zh-CN" altLang="en-US" dirty="0"/>
+                      <a:endParaRPr lang="zh-CN" altLang="en-US" sz="1600" dirty="0"/>
                     </a:p>
                   </a:txBody>
                   <a:tcPr anchor="ctr">
@@ -5359,7 +6132,7 @@
                   </a:ext>
                 </a:extLst>
               </a:tr>
-              <a:tr h="731520">
+              <a:tr h="640080">
                 <a:tc>
                   <a:txBody>
                     <a:bodyPr/>
@@ -5401,6 +6174,23 @@
                     <a:p>
                       <a:pPr algn="ctr"/>
                       <a:r>
+                        <a:rPr lang="en-US" altLang="zh-CN" i="1" dirty="0"/>
+                        <a:t>cut_events.py</a:t>
+                      </a:r>
+                      <a:endParaRPr lang="zh-CN" altLang="en-US" i="1" dirty="0"/>
+                    </a:p>
+                  </a:txBody>
+                  <a:tcPr anchor="ctr">
+                    <a:noFill/>
+                  </a:tcPr>
+                </a:tc>
+                <a:tc>
+                  <a:txBody>
+                    <a:bodyPr/>
+                    <a:lstStyle/>
+                    <a:p>
+                      <a:pPr algn="ctr"/>
+                      <a:r>
                         <a:rPr lang="en-US" altLang="zh-CN" dirty="0"/>
                         <a:t>events_egf</a:t>
                       </a:r>
@@ -5417,7 +6207,11 @@
                     <a:lstStyle/>
                     <a:p>
                       <a:pPr algn="ctr"/>
-                      <a:endParaRPr lang="zh-CN" altLang="en-US" dirty="0"/>
+                      <a:r>
+                        <a:rPr lang="en-US" altLang="zh-CN" sz="1600" dirty="0"/>
+                        <a:t>low SNR events are dropped</a:t>
+                      </a:r>
+                      <a:endParaRPr lang="zh-CN" altLang="en-US" sz="1600" dirty="0"/>
                     </a:p>
                   </a:txBody>
                   <a:tcPr anchor="ctr">
@@ -5430,7 +6224,7 @@
                   </a:ext>
                 </a:extLst>
               </a:tr>
-              <a:tr h="731520">
+              <a:tr h="640080">
                 <a:tc>
                   <a:txBody>
                     <a:bodyPr/>
@@ -5459,13 +6253,21 @@
                         <a:t>ppk</a:t>
                       </a:r>
                     </a:p>
-                    <a:p>
-                      <a:pPr algn="ctr"/>
-                      <a:r>
-                        <a:rPr lang="en-US" altLang="zh-CN" dirty="0"/>
-                        <a:t>P/S/N in t0/1/2</a:t>
-                      </a:r>
-                      <a:endParaRPr lang="zh-CN" altLang="en-US" dirty="0"/>
+                  </a:txBody>
+                  <a:tcPr anchor="ctr">
+                    <a:noFill/>
+                  </a:tcPr>
+                </a:tc>
+                <a:tc>
+                  <a:txBody>
+                    <a:bodyPr/>
+                    <a:lstStyle/>
+                    <a:p>
+                      <a:pPr algn="ctr"/>
+                      <a:r>
+                        <a:rPr lang="en-US" altLang="zh-CN" i="1" dirty="0"/>
+                        <a:t>head2pha.py</a:t>
+                      </a:r>
                     </a:p>
                   </a:txBody>
                   <a:tcPr anchor="ctr">
@@ -5494,20 +6296,56 @@
                     <a:bodyPr/>
                     <a:lstStyle/>
                     <a:p>
-                      <a:pPr algn="ctr"/>
-                      <a:r>
-                        <a:rPr lang="en-US" altLang="zh-CN" dirty="0"/>
+                      <a:pPr marL="0" marR="0" lvl="0" indent="0" algn="ctr" defTabSz="914400" rtl="0" eaLnBrk="1" fontAlgn="auto" latinLnBrk="0" hangingPunct="1">
+                        <a:lnSpc>
+                          <a:spcPct val="100000"/>
+                        </a:lnSpc>
+                        <a:spcBef>
+                          <a:spcPts val="0"/>
+                        </a:spcBef>
+                        <a:spcAft>
+                          <a:spcPts val="0"/>
+                        </a:spcAft>
+                        <a:buClrTx/>
+                        <a:buSzTx/>
+                        <a:buFontTx/>
+                        <a:buNone/>
+                        <a:tabLst/>
+                        <a:defRPr/>
+                      </a:pPr>
+                      <a:r>
+                        <a:rPr lang="en-US" altLang="zh-CN" sz="1600" dirty="0"/>
+                        <a:t>mark P/S/N in t0/1/2,</a:t>
+                      </a:r>
+                      <a:endParaRPr lang="zh-CN" altLang="en-US" sz="1600" dirty="0"/>
+                    </a:p>
+                    <a:p>
+                      <a:pPr marL="0" marR="0" lvl="0" indent="0" algn="ctr" defTabSz="914400" rtl="0" eaLnBrk="1" fontAlgn="auto" latinLnBrk="0" hangingPunct="1">
+                        <a:lnSpc>
+                          <a:spcPct val="100000"/>
+                        </a:lnSpc>
+                        <a:spcBef>
+                          <a:spcPts val="0"/>
+                        </a:spcBef>
+                        <a:spcAft>
+                          <a:spcPts val="0"/>
+                        </a:spcAft>
+                        <a:buClrTx/>
+                        <a:buSzTx/>
+                        <a:buFontTx/>
+                        <a:buNone/>
+                        <a:tabLst/>
+                        <a:defRPr/>
+                      </a:pPr>
+                      <a:r>
+                        <a:rPr lang="en-US" altLang="zh-CN" sz="1600" dirty="0"/>
                         <a:t>only use </a:t>
                       </a:r>
                       <a:r>
-                        <a:rPr lang="en-US" altLang="zh-CN" i="1" dirty="0"/>
+                        <a:rPr lang="en-US" altLang="zh-CN" sz="1600" i="1" dirty="0"/>
                         <a:t>wh</a:t>
                       </a:r>
-                      <a:r>
-                        <a:rPr lang="en-US" altLang="zh-CN" dirty="0"/>
-                        <a:t>!</a:t>
-                      </a:r>
-                      <a:endParaRPr lang="zh-CN" altLang="en-US" dirty="0"/>
+                      <a:endParaRPr lang="zh-CN" altLang="en-US" sz="1600" dirty="0"/>
                     </a:p>
                   </a:txBody>
                   <a:tcPr anchor="ctr">
@@ -5520,7 +6358,7 @@
                   </a:ext>
                 </a:extLst>
               </a:tr>
-              <a:tr h="731520">
+              <a:tr h="640080">
                 <a:tc>
                   <a:txBody>
                     <a:bodyPr/>
@@ -5560,6 +6398,39 @@
                     <a:bodyPr/>
                     <a:lstStyle/>
                     <a:p>
+                      <a:pPr marL="0" marR="0" lvl="0" indent="0" algn="ctr" defTabSz="914400" rtl="0" eaLnBrk="1" fontAlgn="auto" latinLnBrk="0" hangingPunct="1">
+                        <a:lnSpc>
+                          <a:spcPct val="100000"/>
+                        </a:lnSpc>
+                        <a:spcBef>
+                          <a:spcPts val="0"/>
+                        </a:spcBef>
+                        <a:spcAft>
+                          <a:spcPts val="0"/>
+                        </a:spcAft>
+                        <a:buClrTx/>
+                        <a:buSzTx/>
+                        <a:buFontTx/>
+                        <a:buNone/>
+                        <a:tabLst/>
+                        <a:defRPr/>
+                      </a:pPr>
+                      <a:r>
+                        <a:rPr lang="en-US" altLang="zh-CN" i="1" dirty="0"/>
+                        <a:t>cut_events.py</a:t>
+                      </a:r>
+                      <a:endParaRPr lang="zh-CN" altLang="en-US" i="1" dirty="0"/>
+                    </a:p>
+                  </a:txBody>
+                  <a:tcPr anchor="ctr">
+                    <a:noFill/>
+                  </a:tcPr>
+                </a:tc>
+                <a:tc>
+                  <a:txBody>
+                    <a:bodyPr/>
+                    <a:lstStyle/>
+                    <a:p>
                       <a:pPr algn="ctr"/>
                       <a:r>
                         <a:rPr lang="en-US" altLang="zh-CN" dirty="0"/>
@@ -5578,10 +6449,10 @@
                     <a:p>
                       <a:pPr algn="ctr"/>
                       <a:r>
-                        <a:rPr lang="en-US" altLang="zh-CN" dirty="0"/>
+                        <a:rPr lang="en-US" altLang="zh-CN" sz="1600" dirty="0"/>
                         <a:t>optional</a:t>
                       </a:r>
-                      <a:endParaRPr lang="zh-CN" altLang="en-US" dirty="0"/>
+                      <a:endParaRPr lang="zh-CN" altLang="en-US" sz="1600" dirty="0"/>
                     </a:p>
                   </a:txBody>
                   <a:tcPr anchor="ctr">
@@ -5594,7 +6465,7 @@
                   </a:ext>
                 </a:extLst>
               </a:tr>
-              <a:tr h="731520">
+              <a:tr h="640080">
                 <a:tc>
                   <a:txBody>
                     <a:bodyPr/>
@@ -5643,6 +6514,23 @@
                     <a:p>
                       <a:pPr algn="ctr"/>
                       <a:r>
+                        <a:rPr lang="en-US" altLang="zh-CN" i="1" dirty="0"/>
+                        <a:t>plot_egf-cc.py</a:t>
+                      </a:r>
+                      <a:endParaRPr lang="zh-CN" altLang="en-US" i="1" dirty="0"/>
+                    </a:p>
+                  </a:txBody>
+                  <a:tcPr anchor="ctr">
+                    <a:noFill/>
+                  </a:tcPr>
+                </a:tc>
+                <a:tc>
+                  <a:txBody>
+                    <a:bodyPr/>
+                    <a:lstStyle/>
+                    <a:p>
+                      <a:pPr algn="ctr"/>
+                      <a:r>
                         <a:rPr lang="en-US" altLang="zh-CN" dirty="0"/>
                         <a:t>egf_cc.pdf</a:t>
                       </a:r>
@@ -5660,10 +6548,10 @@
                     <a:p>
                       <a:pPr algn="ctr"/>
                       <a:r>
-                        <a:rPr lang="en-US" altLang="zh-CN" dirty="0"/>
+                        <a:rPr lang="en-US" altLang="zh-CN" sz="1600" dirty="0"/>
                         <a:t>only for PLD</a:t>
                       </a:r>
-                      <a:endParaRPr lang="zh-CN" altLang="en-US" dirty="0"/>
+                      <a:endParaRPr lang="zh-CN" altLang="en-US" sz="1600" dirty="0"/>
                     </a:p>
                   </a:txBody>
                   <a:tcPr anchor="ctr">
@@ -5710,64 +6598,100 @@
           <a:chExt cx="0" cy="0"/>
         </a:xfrm>
       </p:grpSpPr>
-      <p:sp>
-        <p:nvSpPr>
-          <p:cNvPr id="2" name="标题 1">
-            <a:extLst>
-              <a:ext uri="{FF2B5EF4-FFF2-40B4-BE49-F238E27FC236}">
-                <a16:creationId xmlns:a16="http://schemas.microsoft.com/office/drawing/2014/main" id="{A1AE4152-9C44-4D3E-99ED-B2CD18D06D89}"/>
-              </a:ext>
-            </a:extLst>
-          </p:cNvPr>
-          <p:cNvSpPr>
-            <a:spLocks noGrp="1"/>
-          </p:cNvSpPr>
-          <p:nvPr>
-            <p:ph type="title"/>
-          </p:nvPr>
-        </p:nvSpPr>
-        <p:spPr/>
-        <p:txBody>
-          <a:bodyPr/>
-          <a:lstStyle/>
-          <a:p>
-            <a:r>
-              <a:rPr lang="en-US" altLang="zh-CN" dirty="0"/>
-              <a:t>2.3 </a:t>
-            </a:r>
-            <a:endParaRPr lang="zh-CN" altLang="en-US" dirty="0"/>
-          </a:p>
-        </p:txBody>
-      </p:sp>
-      <p:sp>
-        <p:nvSpPr>
-          <p:cNvPr id="3" name="内容占位符 2">
-            <a:extLst>
-              <a:ext uri="{FF2B5EF4-FFF2-40B4-BE49-F238E27FC236}">
-                <a16:creationId xmlns:a16="http://schemas.microsoft.com/office/drawing/2014/main" id="{4F748F1F-C352-415C-AA3D-039E1598C799}"/>
-              </a:ext>
-            </a:extLst>
-          </p:cNvPr>
-          <p:cNvSpPr>
-            <a:spLocks noGrp="1"/>
-          </p:cNvSpPr>
-          <p:nvPr>
-            <p:ph idx="1"/>
-          </p:nvPr>
-        </p:nvSpPr>
-        <p:spPr/>
-        <p:txBody>
-          <a:bodyPr/>
-          <a:lstStyle/>
-          <a:p>
-            <a:endParaRPr lang="zh-CN" altLang="en-US" dirty="0"/>
-          </a:p>
-        </p:txBody>
-      </p:sp>
+      <p:pic>
+        <p:nvPicPr>
+          <p:cNvPr id="5" name="图片 4">
+            <a:extLst>
+              <a:ext uri="{FF2B5EF4-FFF2-40B4-BE49-F238E27FC236}">
+                <a16:creationId xmlns:a16="http://schemas.microsoft.com/office/drawing/2014/main" id="{C676195B-2223-4597-B464-4AFA280AB886}"/>
+              </a:ext>
+            </a:extLst>
+          </p:cNvPr>
+          <p:cNvPicPr>
+            <a:picLocks noChangeAspect="1"/>
+          </p:cNvPicPr>
+          <p:nvPr/>
+        </p:nvPicPr>
+        <p:blipFill>
+          <a:blip r:embed="rId2"/>
+          <a:stretch>
+            <a:fillRect/>
+          </a:stretch>
+        </p:blipFill>
+        <p:spPr>
+          <a:xfrm>
+            <a:off x="941478" y="137160"/>
+            <a:ext cx="10309044" cy="6583680"/>
+          </a:xfrm>
+          <a:prstGeom prst="rect">
+            <a:avLst/>
+          </a:prstGeom>
+        </p:spPr>
+      </p:pic>
     </p:spTree>
     <p:extLst>
       <p:ext uri="{BB962C8B-B14F-4D97-AF65-F5344CB8AC3E}">
-        <p14:creationId xmlns:p14="http://schemas.microsoft.com/office/powerpoint/2010/main" val="2517461176"/>
+        <p14:creationId xmlns:p14="http://schemas.microsoft.com/office/powerpoint/2010/main" val="2990284105"/>
+      </p:ext>
+    </p:extLst>
+  </p:cSld>
+  <p:clrMapOvr>
+    <a:masterClrMapping/>
+  </p:clrMapOvr>
+</p:sld>
+</file>
+
+<file path=ppt/slides/slide9.xml><?xml version="1.0" encoding="utf-8"?>
+<p:sld xmlns:a="http://schemas.openxmlformats.org/drawingml/2006/main" xmlns:r="http://schemas.openxmlformats.org/officeDocument/2006/relationships" xmlns:p="http://schemas.openxmlformats.org/presentationml/2006/main">
+  <p:cSld>
+    <p:spTree>
+      <p:nvGrpSpPr>
+        <p:cNvPr id="1" name=""/>
+        <p:cNvGrpSpPr/>
+        <p:nvPr/>
+      </p:nvGrpSpPr>
+      <p:grpSpPr>
+        <a:xfrm>
+          <a:off x="0" y="0"/>
+          <a:ext cx="0" cy="0"/>
+          <a:chOff x="0" y="0"/>
+          <a:chExt cx="0" cy="0"/>
+        </a:xfrm>
+      </p:grpSpPr>
+      <p:pic>
+        <p:nvPicPr>
+          <p:cNvPr id="5" name="图片 4">
+            <a:extLst>
+              <a:ext uri="{FF2B5EF4-FFF2-40B4-BE49-F238E27FC236}">
+                <a16:creationId xmlns:a16="http://schemas.microsoft.com/office/drawing/2014/main" id="{C90E7843-005F-4D5E-814A-B9F8A7252D1B}"/>
+              </a:ext>
+            </a:extLst>
+          </p:cNvPr>
+          <p:cNvPicPr>
+            <a:picLocks noChangeAspect="1"/>
+          </p:cNvPicPr>
+          <p:nvPr/>
+        </p:nvPicPr>
+        <p:blipFill>
+          <a:blip r:embed="rId2"/>
+          <a:stretch>
+            <a:fillRect/>
+          </a:stretch>
+        </p:blipFill>
+        <p:spPr>
+          <a:xfrm>
+            <a:off x="1136195" y="137160"/>
+            <a:ext cx="9919609" cy="6583680"/>
+          </a:xfrm>
+          <a:prstGeom prst="rect">
+            <a:avLst/>
+          </a:prstGeom>
+        </p:spPr>
+      </p:pic>
+    </p:spTree>
+    <p:extLst>
+      <p:ext uri="{BB962C8B-B14F-4D97-AF65-F5344CB8AC3E}">
+        <p14:creationId xmlns:p14="http://schemas.microsoft.com/office/powerpoint/2010/main" val="3679294318"/>
       </p:ext>
     </p:extLst>
   </p:cSld>
@@ -6070,4 +6994,299 @@
     </a:ext>
   </a:extLst>
 </a:theme>
+</file>
+
+<file path=ppt/theme/theme2.xml><?xml version="1.0" encoding="utf-8"?>
+<a:theme xmlns:a="http://schemas.openxmlformats.org/drawingml/2006/main" name="Office 主题​​">
+  <a:themeElements>
+    <a:clrScheme name="Office">
+      <a:dk1>
+        <a:sysClr val="windowText" lastClr="000000"/>
+      </a:dk1>
+      <a:lt1>
+        <a:sysClr val="window" lastClr="FFFFFF"/>
+      </a:lt1>
+      <a:dk2>
+        <a:srgbClr val="44546A"/>
+      </a:dk2>
+      <a:lt2>
+        <a:srgbClr val="E7E6E6"/>
+      </a:lt2>
+      <a:accent1>
+        <a:srgbClr val="4472C4"/>
+      </a:accent1>
+      <a:accent2>
+        <a:srgbClr val="ED7D31"/>
+      </a:accent2>
+      <a:accent3>
+        <a:srgbClr val="A5A5A5"/>
+      </a:accent3>
+      <a:accent4>
+        <a:srgbClr val="FFC000"/>
+      </a:accent4>
+      <a:accent5>
+        <a:srgbClr val="5B9BD5"/>
+      </a:accent5>
+      <a:accent6>
+        <a:srgbClr val="70AD47"/>
+      </a:accent6>
+      <a:hlink>
+        <a:srgbClr val="0563C1"/>
+      </a:hlink>
+      <a:folHlink>
+        <a:srgbClr val="954F72"/>
+      </a:folHlink>
+    </a:clrScheme>
+    <a:fontScheme name="Office">
+      <a:majorFont>
+        <a:latin typeface="等线 Light" panose="020F0302020204030204"/>
+        <a:ea typeface=""/>
+        <a:cs typeface=""/>
+        <a:font script="Jpan" typeface="游ゴシック Light"/>
+        <a:font script="Hang" typeface="맑은 고딕"/>
+        <a:font script="Hans" typeface="等线 Light"/>
+        <a:font script="Hant" typeface="新細明體"/>
+        <a:font script="Arab" typeface="Times New Roman"/>
+        <a:font script="Hebr" typeface="Times New Roman"/>
+        <a:font script="Thai" typeface="Angsana New"/>
+        <a:font script="Ethi" typeface="Nyala"/>
+        <a:font script="Beng" typeface="Vrinda"/>
+        <a:font script="Gujr" typeface="Shruti"/>
+        <a:font script="Khmr" typeface="MoolBoran"/>
+        <a:font script="Knda" typeface="Tunga"/>
+        <a:font script="Guru" typeface="Raavi"/>
+        <a:font script="Cans" typeface="Euphemia"/>
+        <a:font script="Cher" typeface="Plantagenet Cherokee"/>
+        <a:font script="Yiii" typeface="Microsoft Yi Baiti"/>
+        <a:font script="Tibt" typeface="Microsoft Himalaya"/>
+        <a:font script="Thaa" typeface="MV Boli"/>
+        <a:font script="Deva" typeface="Mangal"/>
+        <a:font script="Telu" typeface="Gautami"/>
+        <a:font script="Taml" typeface="Latha"/>
+        <a:font script="Syrc" typeface="Estrangelo Edessa"/>
+        <a:font script="Orya" typeface="Kalinga"/>
+        <a:font script="Mlym" typeface="Kartika"/>
+        <a:font script="Laoo" typeface="DokChampa"/>
+        <a:font script="Sinh" typeface="Iskoola Pota"/>
+        <a:font script="Mong" typeface="Mongolian Baiti"/>
+        <a:font script="Viet" typeface="Times New Roman"/>
+        <a:font script="Uigh" typeface="Microsoft Uighur"/>
+        <a:font script="Geor" typeface="Sylfaen"/>
+        <a:font script="Armn" typeface="Arial"/>
+        <a:font script="Bugi" typeface="Leelawadee UI"/>
+        <a:font script="Bopo" typeface="Microsoft JhengHei"/>
+        <a:font script="Java" typeface="Javanese Text"/>
+        <a:font script="Lisu" typeface="Segoe UI"/>
+        <a:font script="Mymr" typeface="Myanmar Text"/>
+        <a:font script="Nkoo" typeface="Ebrima"/>
+        <a:font script="Olck" typeface="Nirmala UI"/>
+        <a:font script="Osma" typeface="Ebrima"/>
+        <a:font script="Phag" typeface="Phagspa"/>
+        <a:font script="Syrn" typeface="Estrangelo Edessa"/>
+        <a:font script="Syrj" typeface="Estrangelo Edessa"/>
+        <a:font script="Syre" typeface="Estrangelo Edessa"/>
+        <a:font script="Sora" typeface="Nirmala UI"/>
+        <a:font script="Tale" typeface="Microsoft Tai Le"/>
+        <a:font script="Talu" typeface="Microsoft New Tai Lue"/>
+        <a:font script="Tfng" typeface="Ebrima"/>
+      </a:majorFont>
+      <a:minorFont>
+        <a:latin typeface="等线" panose="020F0502020204030204"/>
+        <a:ea typeface=""/>
+        <a:cs typeface=""/>
+        <a:font script="Jpan" typeface="游ゴシック"/>
+        <a:font script="Hang" typeface="맑은 고딕"/>
+        <a:font script="Hans" typeface="等线"/>
+        <a:font script="Hant" typeface="新細明體"/>
+        <a:font script="Arab" typeface="Arial"/>
+        <a:font script="Hebr" typeface="Arial"/>
+        <a:font script="Thai" typeface="Cordia New"/>
+        <a:font script="Ethi" typeface="Nyala"/>
+        <a:font script="Beng" typeface="Vrinda"/>
+        <a:font script="Gujr" typeface="Shruti"/>
+        <a:font script="Khmr" typeface="DaunPenh"/>
+        <a:font script="Knda" typeface="Tunga"/>
+        <a:font script="Guru" typeface="Raavi"/>
+        <a:font script="Cans" typeface="Euphemia"/>
+        <a:font script="Cher" typeface="Plantagenet Cherokee"/>
+        <a:font script="Yiii" typeface="Microsoft Yi Baiti"/>
+        <a:font script="Tibt" typeface="Microsoft Himalaya"/>
+        <a:font script="Thaa" typeface="MV Boli"/>
+        <a:font script="Deva" typeface="Mangal"/>
+        <a:font script="Telu" typeface="Gautami"/>
+        <a:font script="Taml" typeface="Latha"/>
+        <a:font script="Syrc" typeface="Estrangelo Edessa"/>
+        <a:font script="Orya" typeface="Kalinga"/>
+        <a:font script="Mlym" typeface="Kartika"/>
+        <a:font script="Laoo" typeface="DokChampa"/>
+        <a:font script="Sinh" typeface="Iskoola Pota"/>
+        <a:font script="Mong" typeface="Mongolian Baiti"/>
+        <a:font script="Viet" typeface="Arial"/>
+        <a:font script="Uigh" typeface="Microsoft Uighur"/>
+        <a:font script="Geor" typeface="Sylfaen"/>
+        <a:font script="Armn" typeface="Arial"/>
+        <a:font script="Bugi" typeface="Leelawadee UI"/>
+        <a:font script="Bopo" typeface="Microsoft JhengHei"/>
+        <a:font script="Java" typeface="Javanese Text"/>
+        <a:font script="Lisu" typeface="Segoe UI"/>
+        <a:font script="Mymr" typeface="Myanmar Text"/>
+        <a:font script="Nkoo" typeface="Ebrima"/>
+        <a:font script="Olck" typeface="Nirmala UI"/>
+        <a:font script="Osma" typeface="Ebrima"/>
+        <a:font script="Phag" typeface="Phagspa"/>
+        <a:font script="Syrn" typeface="Estrangelo Edessa"/>
+        <a:font script="Syrj" typeface="Estrangelo Edessa"/>
+        <a:font script="Syre" typeface="Estrangelo Edessa"/>
+        <a:font script="Sora" typeface="Nirmala UI"/>
+        <a:font script="Tale" typeface="Microsoft Tai Le"/>
+        <a:font script="Talu" typeface="Microsoft New Tai Lue"/>
+        <a:font script="Tfng" typeface="Ebrima"/>
+      </a:minorFont>
+    </a:fontScheme>
+    <a:fmtScheme name="Office">
+      <a:fillStyleLst>
+        <a:solidFill>
+          <a:schemeClr val="phClr"/>
+        </a:solidFill>
+        <a:gradFill rotWithShape="1">
+          <a:gsLst>
+            <a:gs pos="0">
+              <a:schemeClr val="phClr">
+                <a:lumMod val="110000"/>
+                <a:satMod val="105000"/>
+                <a:tint val="67000"/>
+              </a:schemeClr>
+            </a:gs>
+            <a:gs pos="50000">
+              <a:schemeClr val="phClr">
+                <a:lumMod val="105000"/>
+                <a:satMod val="103000"/>
+                <a:tint val="73000"/>
+              </a:schemeClr>
+            </a:gs>
+            <a:gs pos="100000">
+              <a:schemeClr val="phClr">
+                <a:lumMod val="105000"/>
+                <a:satMod val="109000"/>
+                <a:tint val="81000"/>
+              </a:schemeClr>
+            </a:gs>
+          </a:gsLst>
+          <a:lin ang="5400000" scaled="0"/>
+        </a:gradFill>
+        <a:gradFill rotWithShape="1">
+          <a:gsLst>
+            <a:gs pos="0">
+              <a:schemeClr val="phClr">
+                <a:satMod val="103000"/>
+                <a:lumMod val="102000"/>
+                <a:tint val="94000"/>
+              </a:schemeClr>
+            </a:gs>
+            <a:gs pos="50000">
+              <a:schemeClr val="phClr">
+                <a:satMod val="110000"/>
+                <a:lumMod val="100000"/>
+                <a:shade val="100000"/>
+              </a:schemeClr>
+            </a:gs>
+            <a:gs pos="100000">
+              <a:schemeClr val="phClr">
+                <a:lumMod val="99000"/>
+                <a:satMod val="120000"/>
+                <a:shade val="78000"/>
+              </a:schemeClr>
+            </a:gs>
+          </a:gsLst>
+          <a:lin ang="5400000" scaled="0"/>
+        </a:gradFill>
+      </a:fillStyleLst>
+      <a:lnStyleLst>
+        <a:ln w="6350" cap="flat" cmpd="sng" algn="ctr">
+          <a:solidFill>
+            <a:schemeClr val="phClr"/>
+          </a:solidFill>
+          <a:prstDash val="solid"/>
+          <a:miter lim="800000"/>
+        </a:ln>
+        <a:ln w="12700" cap="flat" cmpd="sng" algn="ctr">
+          <a:solidFill>
+            <a:schemeClr val="phClr"/>
+          </a:solidFill>
+          <a:prstDash val="solid"/>
+          <a:miter lim="800000"/>
+        </a:ln>
+        <a:ln w="19050" cap="flat" cmpd="sng" algn="ctr">
+          <a:solidFill>
+            <a:schemeClr val="phClr"/>
+          </a:solidFill>
+          <a:prstDash val="solid"/>
+          <a:miter lim="800000"/>
+        </a:ln>
+      </a:lnStyleLst>
+      <a:effectStyleLst>
+        <a:effectStyle>
+          <a:effectLst/>
+        </a:effectStyle>
+        <a:effectStyle>
+          <a:effectLst/>
+        </a:effectStyle>
+        <a:effectStyle>
+          <a:effectLst>
+            <a:outerShdw blurRad="57150" dist="19050" dir="5400000" algn="ctr" rotWithShape="0">
+              <a:srgbClr val="000000">
+                <a:alpha val="63000"/>
+              </a:srgbClr>
+            </a:outerShdw>
+          </a:effectLst>
+        </a:effectStyle>
+      </a:effectStyleLst>
+      <a:bgFillStyleLst>
+        <a:solidFill>
+          <a:schemeClr val="phClr"/>
+        </a:solidFill>
+        <a:solidFill>
+          <a:schemeClr val="phClr">
+            <a:tint val="95000"/>
+            <a:satMod val="170000"/>
+          </a:schemeClr>
+        </a:solidFill>
+        <a:gradFill rotWithShape="1">
+          <a:gsLst>
+            <a:gs pos="0">
+              <a:schemeClr val="phClr">
+                <a:tint val="93000"/>
+                <a:satMod val="150000"/>
+                <a:shade val="98000"/>
+                <a:lumMod val="102000"/>
+              </a:schemeClr>
+            </a:gs>
+            <a:gs pos="50000">
+              <a:schemeClr val="phClr">
+                <a:tint val="98000"/>
+                <a:satMod val="130000"/>
+                <a:shade val="90000"/>
+                <a:lumMod val="103000"/>
+              </a:schemeClr>
+            </a:gs>
+            <a:gs pos="100000">
+              <a:schemeClr val="phClr">
+                <a:shade val="63000"/>
+                <a:satMod val="120000"/>
+              </a:schemeClr>
+            </a:gs>
+          </a:gsLst>
+          <a:lin ang="5400000" scaled="0"/>
+        </a:gradFill>
+      </a:bgFillStyleLst>
+    </a:fmtScheme>
+  </a:themeElements>
+  <a:objectDefaults/>
+  <a:extraClrSchemeLst/>
+  <a:extLst>
+    <a:ext uri="{05A4C25C-085E-4340-85A3-A5531E510DB2}">
+      <thm15:themeFamily xmlns:thm15="http://schemas.microsoft.com/office/thememl/2012/main" name="Office Theme" id="{62F939B6-93AF-4DB8-9C6B-D6C7DFDC589F}" vid="{4A3C46E8-61CC-4603-A589-7422A47A8E4A}"/>
+    </a:ext>
+  </a:extLst>
+</a:theme>
 </file>